--- a/Mod 3 - Presentation.pptx
+++ b/Mod 3 - Presentation.pptx
@@ -5,7 +5,7 @@
     <p:sldMasterId id="2147483648" r:id="rId1"/>
   </p:sldMasterIdLst>
   <p:notesMasterIdLst>
-    <p:notesMasterId r:id="rId13"/>
+    <p:notesMasterId r:id="rId14"/>
   </p:notesMasterIdLst>
   <p:sldIdLst>
     <p:sldId id="256" r:id="rId2"/>
@@ -16,9 +16,10 @@
     <p:sldId id="260" r:id="rId7"/>
     <p:sldId id="265" r:id="rId8"/>
     <p:sldId id="266" r:id="rId9"/>
-    <p:sldId id="267" r:id="rId10"/>
-    <p:sldId id="268" r:id="rId11"/>
-    <p:sldId id="269" r:id="rId12"/>
+    <p:sldId id="271" r:id="rId10"/>
+    <p:sldId id="267" r:id="rId11"/>
+    <p:sldId id="268" r:id="rId12"/>
+    <p:sldId id="269" r:id="rId13"/>
   </p:sldIdLst>
   <p:sldSz cx="12192000" cy="6858000"/>
   <p:notesSz cx="6858000" cy="9144000"/>
@@ -2717,6 +2718,753 @@
 </dgm:colorsDef>
 </file>
 
+<file path=ppt/diagrams/colors4.xml><?xml version="1.0" encoding="utf-8"?>
+<dgm:colorsDef xmlns:dgm="http://schemas.openxmlformats.org/drawingml/2006/diagram" xmlns:a="http://schemas.openxmlformats.org/drawingml/2006/main" uniqueId="urn:microsoft.com/office/officeart/2005/8/colors/accent1_2">
+  <dgm:title val=""/>
+  <dgm:desc val=""/>
+  <dgm:catLst>
+    <dgm:cat type="accent1" pri="11200"/>
+  </dgm:catLst>
+  <dgm:styleLbl name="node0">
+    <dgm:fillClrLst meth="repeat">
+      <a:schemeClr val="accent1"/>
+    </dgm:fillClrLst>
+    <dgm:linClrLst meth="repeat">
+      <a:schemeClr val="lt1"/>
+    </dgm:linClrLst>
+    <dgm:effectClrLst/>
+    <dgm:txLinClrLst/>
+    <dgm:txFillClrLst/>
+    <dgm:txEffectClrLst/>
+  </dgm:styleLbl>
+  <dgm:styleLbl name="alignNode1">
+    <dgm:fillClrLst meth="repeat">
+      <a:schemeClr val="accent1"/>
+    </dgm:fillClrLst>
+    <dgm:linClrLst meth="repeat">
+      <a:schemeClr val="accent1"/>
+    </dgm:linClrLst>
+    <dgm:effectClrLst/>
+    <dgm:txLinClrLst/>
+    <dgm:txFillClrLst/>
+    <dgm:txEffectClrLst/>
+  </dgm:styleLbl>
+  <dgm:styleLbl name="node1">
+    <dgm:fillClrLst meth="repeat">
+      <a:schemeClr val="accent1"/>
+    </dgm:fillClrLst>
+    <dgm:linClrLst meth="repeat">
+      <a:schemeClr val="lt1"/>
+    </dgm:linClrLst>
+    <dgm:effectClrLst/>
+    <dgm:txLinClrLst/>
+    <dgm:txFillClrLst/>
+    <dgm:txEffectClrLst/>
+  </dgm:styleLbl>
+  <dgm:styleLbl name="lnNode1">
+    <dgm:fillClrLst meth="repeat">
+      <a:schemeClr val="accent1"/>
+    </dgm:fillClrLst>
+    <dgm:linClrLst meth="repeat">
+      <a:schemeClr val="lt1"/>
+    </dgm:linClrLst>
+    <dgm:effectClrLst/>
+    <dgm:txLinClrLst/>
+    <dgm:txFillClrLst/>
+    <dgm:txEffectClrLst/>
+  </dgm:styleLbl>
+  <dgm:styleLbl name="vennNode1">
+    <dgm:fillClrLst meth="repeat">
+      <a:schemeClr val="accent1">
+        <a:alpha val="50000"/>
+      </a:schemeClr>
+    </dgm:fillClrLst>
+    <dgm:linClrLst meth="repeat">
+      <a:schemeClr val="lt1"/>
+    </dgm:linClrLst>
+    <dgm:effectClrLst/>
+    <dgm:txLinClrLst/>
+    <dgm:txFillClrLst/>
+    <dgm:txEffectClrLst/>
+  </dgm:styleLbl>
+  <dgm:styleLbl name="node2">
+    <dgm:fillClrLst meth="repeat">
+      <a:schemeClr val="accent1"/>
+    </dgm:fillClrLst>
+    <dgm:linClrLst meth="repeat">
+      <a:schemeClr val="lt1"/>
+    </dgm:linClrLst>
+    <dgm:effectClrLst/>
+    <dgm:txLinClrLst/>
+    <dgm:txFillClrLst/>
+    <dgm:txEffectClrLst/>
+  </dgm:styleLbl>
+  <dgm:styleLbl name="node3">
+    <dgm:fillClrLst meth="repeat">
+      <a:schemeClr val="accent1"/>
+    </dgm:fillClrLst>
+    <dgm:linClrLst meth="repeat">
+      <a:schemeClr val="lt1"/>
+    </dgm:linClrLst>
+    <dgm:effectClrLst/>
+    <dgm:txLinClrLst/>
+    <dgm:txFillClrLst/>
+    <dgm:txEffectClrLst/>
+  </dgm:styleLbl>
+  <dgm:styleLbl name="node4">
+    <dgm:fillClrLst meth="repeat">
+      <a:schemeClr val="accent1"/>
+    </dgm:fillClrLst>
+    <dgm:linClrLst meth="repeat">
+      <a:schemeClr val="lt1"/>
+    </dgm:linClrLst>
+    <dgm:effectClrLst/>
+    <dgm:txLinClrLst/>
+    <dgm:txFillClrLst/>
+    <dgm:txEffectClrLst/>
+  </dgm:styleLbl>
+  <dgm:styleLbl name="fgImgPlace1">
+    <dgm:fillClrLst meth="repeat">
+      <a:schemeClr val="accent1">
+        <a:tint val="50000"/>
+      </a:schemeClr>
+    </dgm:fillClrLst>
+    <dgm:linClrLst meth="repeat">
+      <a:schemeClr val="lt1"/>
+    </dgm:linClrLst>
+    <dgm:effectClrLst/>
+    <dgm:txLinClrLst/>
+    <dgm:txFillClrLst meth="repeat">
+      <a:schemeClr val="lt1"/>
+    </dgm:txFillClrLst>
+    <dgm:txEffectClrLst/>
+  </dgm:styleLbl>
+  <dgm:styleLbl name="alignImgPlace1">
+    <dgm:fillClrLst meth="repeat">
+      <a:schemeClr val="accent1">
+        <a:tint val="50000"/>
+      </a:schemeClr>
+    </dgm:fillClrLst>
+    <dgm:linClrLst meth="repeat">
+      <a:schemeClr val="lt1"/>
+    </dgm:linClrLst>
+    <dgm:effectClrLst/>
+    <dgm:txLinClrLst/>
+    <dgm:txFillClrLst meth="repeat">
+      <a:schemeClr val="lt1"/>
+    </dgm:txFillClrLst>
+    <dgm:txEffectClrLst/>
+  </dgm:styleLbl>
+  <dgm:styleLbl name="bgImgPlace1">
+    <dgm:fillClrLst meth="repeat">
+      <a:schemeClr val="accent1">
+        <a:tint val="50000"/>
+      </a:schemeClr>
+    </dgm:fillClrLst>
+    <dgm:linClrLst meth="repeat">
+      <a:schemeClr val="lt1"/>
+    </dgm:linClrLst>
+    <dgm:effectClrLst/>
+    <dgm:txLinClrLst/>
+    <dgm:txFillClrLst meth="repeat">
+      <a:schemeClr val="lt1"/>
+    </dgm:txFillClrLst>
+    <dgm:txEffectClrLst/>
+  </dgm:styleLbl>
+  <dgm:styleLbl name="sibTrans2D1">
+    <dgm:fillClrLst meth="repeat">
+      <a:schemeClr val="accent1">
+        <a:tint val="60000"/>
+      </a:schemeClr>
+    </dgm:fillClrLst>
+    <dgm:linClrLst meth="repeat">
+      <a:schemeClr val="accent1">
+        <a:tint val="60000"/>
+      </a:schemeClr>
+    </dgm:linClrLst>
+    <dgm:effectClrLst/>
+    <dgm:txLinClrLst/>
+    <dgm:txFillClrLst/>
+    <dgm:txEffectClrLst/>
+  </dgm:styleLbl>
+  <dgm:styleLbl name="fgSibTrans2D1">
+    <dgm:fillClrLst meth="repeat">
+      <a:schemeClr val="accent1">
+        <a:tint val="60000"/>
+      </a:schemeClr>
+    </dgm:fillClrLst>
+    <dgm:linClrLst meth="repeat">
+      <a:schemeClr val="accent1">
+        <a:tint val="60000"/>
+      </a:schemeClr>
+    </dgm:linClrLst>
+    <dgm:effectClrLst/>
+    <dgm:txLinClrLst/>
+    <dgm:txFillClrLst/>
+    <dgm:txEffectClrLst/>
+  </dgm:styleLbl>
+  <dgm:styleLbl name="bgSibTrans2D1">
+    <dgm:fillClrLst meth="repeat">
+      <a:schemeClr val="accent1">
+        <a:tint val="60000"/>
+      </a:schemeClr>
+    </dgm:fillClrLst>
+    <dgm:linClrLst meth="repeat">
+      <a:schemeClr val="accent1">
+        <a:tint val="60000"/>
+      </a:schemeClr>
+    </dgm:linClrLst>
+    <dgm:effectClrLst/>
+    <dgm:txLinClrLst/>
+    <dgm:txFillClrLst/>
+    <dgm:txEffectClrLst/>
+  </dgm:styleLbl>
+  <dgm:styleLbl name="sibTrans1D1">
+    <dgm:fillClrLst meth="repeat">
+      <a:schemeClr val="accent1"/>
+    </dgm:fillClrLst>
+    <dgm:linClrLst meth="repeat">
+      <a:schemeClr val="accent1"/>
+    </dgm:linClrLst>
+    <dgm:effectClrLst/>
+    <dgm:txLinClrLst/>
+    <dgm:txFillClrLst meth="repeat">
+      <a:schemeClr val="tx1"/>
+    </dgm:txFillClrLst>
+    <dgm:txEffectClrLst/>
+  </dgm:styleLbl>
+  <dgm:styleLbl name="callout">
+    <dgm:fillClrLst meth="repeat">
+      <a:schemeClr val="accent1"/>
+    </dgm:fillClrLst>
+    <dgm:linClrLst meth="repeat">
+      <a:schemeClr val="accent1">
+        <a:tint val="50000"/>
+      </a:schemeClr>
+    </dgm:linClrLst>
+    <dgm:effectClrLst/>
+    <dgm:txLinClrLst/>
+    <dgm:txFillClrLst meth="repeat">
+      <a:schemeClr val="tx1"/>
+    </dgm:txFillClrLst>
+    <dgm:txEffectClrLst/>
+  </dgm:styleLbl>
+  <dgm:styleLbl name="asst0">
+    <dgm:fillClrLst meth="repeat">
+      <a:schemeClr val="accent1"/>
+    </dgm:fillClrLst>
+    <dgm:linClrLst meth="repeat">
+      <a:schemeClr val="lt1"/>
+    </dgm:linClrLst>
+    <dgm:effectClrLst/>
+    <dgm:txLinClrLst/>
+    <dgm:txFillClrLst/>
+    <dgm:txEffectClrLst/>
+  </dgm:styleLbl>
+  <dgm:styleLbl name="asst1">
+    <dgm:fillClrLst meth="repeat">
+      <a:schemeClr val="accent1"/>
+    </dgm:fillClrLst>
+    <dgm:linClrLst meth="repeat">
+      <a:schemeClr val="lt1"/>
+    </dgm:linClrLst>
+    <dgm:effectClrLst/>
+    <dgm:txLinClrLst/>
+    <dgm:txFillClrLst/>
+    <dgm:txEffectClrLst/>
+  </dgm:styleLbl>
+  <dgm:styleLbl name="asst2">
+    <dgm:fillClrLst meth="repeat">
+      <a:schemeClr val="accent1"/>
+    </dgm:fillClrLst>
+    <dgm:linClrLst meth="repeat">
+      <a:schemeClr val="lt1"/>
+    </dgm:linClrLst>
+    <dgm:effectClrLst/>
+    <dgm:txLinClrLst/>
+    <dgm:txFillClrLst/>
+    <dgm:txEffectClrLst/>
+  </dgm:styleLbl>
+  <dgm:styleLbl name="asst3">
+    <dgm:fillClrLst meth="repeat">
+      <a:schemeClr val="accent1"/>
+    </dgm:fillClrLst>
+    <dgm:linClrLst meth="repeat">
+      <a:schemeClr val="lt1"/>
+    </dgm:linClrLst>
+    <dgm:effectClrLst/>
+    <dgm:txLinClrLst/>
+    <dgm:txFillClrLst/>
+    <dgm:txEffectClrLst/>
+  </dgm:styleLbl>
+  <dgm:styleLbl name="asst4">
+    <dgm:fillClrLst meth="repeat">
+      <a:schemeClr val="accent1"/>
+    </dgm:fillClrLst>
+    <dgm:linClrLst meth="repeat">
+      <a:schemeClr val="lt1"/>
+    </dgm:linClrLst>
+    <dgm:effectClrLst/>
+    <dgm:txLinClrLst/>
+    <dgm:txFillClrLst/>
+    <dgm:txEffectClrLst/>
+  </dgm:styleLbl>
+  <dgm:styleLbl name="parChTrans2D1">
+    <dgm:fillClrLst meth="repeat">
+      <a:schemeClr val="accent1">
+        <a:tint val="60000"/>
+      </a:schemeClr>
+    </dgm:fillClrLst>
+    <dgm:linClrLst meth="repeat">
+      <a:schemeClr val="accent1">
+        <a:tint val="60000"/>
+      </a:schemeClr>
+    </dgm:linClrLst>
+    <dgm:effectClrLst/>
+    <dgm:txLinClrLst/>
+    <dgm:txFillClrLst meth="repeat">
+      <a:schemeClr val="lt1"/>
+    </dgm:txFillClrLst>
+    <dgm:txEffectClrLst/>
+  </dgm:styleLbl>
+  <dgm:styleLbl name="parChTrans2D2">
+    <dgm:fillClrLst meth="repeat">
+      <a:schemeClr val="accent1"/>
+    </dgm:fillClrLst>
+    <dgm:linClrLst meth="repeat">
+      <a:schemeClr val="accent1"/>
+    </dgm:linClrLst>
+    <dgm:effectClrLst/>
+    <dgm:txLinClrLst/>
+    <dgm:txFillClrLst meth="repeat">
+      <a:schemeClr val="lt1"/>
+    </dgm:txFillClrLst>
+    <dgm:txEffectClrLst/>
+  </dgm:styleLbl>
+  <dgm:styleLbl name="parChTrans2D3">
+    <dgm:fillClrLst meth="repeat">
+      <a:schemeClr val="accent1"/>
+    </dgm:fillClrLst>
+    <dgm:linClrLst meth="repeat">
+      <a:schemeClr val="accent1"/>
+    </dgm:linClrLst>
+    <dgm:effectClrLst/>
+    <dgm:txLinClrLst/>
+    <dgm:txFillClrLst meth="repeat">
+      <a:schemeClr val="lt1"/>
+    </dgm:txFillClrLst>
+    <dgm:txEffectClrLst/>
+  </dgm:styleLbl>
+  <dgm:styleLbl name="parChTrans2D4">
+    <dgm:fillClrLst meth="repeat">
+      <a:schemeClr val="accent1"/>
+    </dgm:fillClrLst>
+    <dgm:linClrLst meth="repeat">
+      <a:schemeClr val="accent1"/>
+    </dgm:linClrLst>
+    <dgm:effectClrLst/>
+    <dgm:txLinClrLst/>
+    <dgm:txFillClrLst meth="repeat">
+      <a:schemeClr val="lt1"/>
+    </dgm:txFillClrLst>
+    <dgm:txEffectClrLst/>
+  </dgm:styleLbl>
+  <dgm:styleLbl name="parChTrans1D1">
+    <dgm:fillClrLst meth="repeat">
+      <a:schemeClr val="accent1"/>
+    </dgm:fillClrLst>
+    <dgm:linClrLst meth="repeat">
+      <a:schemeClr val="accent1">
+        <a:shade val="60000"/>
+      </a:schemeClr>
+    </dgm:linClrLst>
+    <dgm:effectClrLst/>
+    <dgm:txLinClrLst/>
+    <dgm:txFillClrLst meth="repeat">
+      <a:schemeClr val="tx1"/>
+    </dgm:txFillClrLst>
+    <dgm:txEffectClrLst/>
+  </dgm:styleLbl>
+  <dgm:styleLbl name="parChTrans1D2">
+    <dgm:fillClrLst meth="repeat">
+      <a:schemeClr val="accent1"/>
+    </dgm:fillClrLst>
+    <dgm:linClrLst meth="repeat">
+      <a:schemeClr val="accent1">
+        <a:shade val="60000"/>
+      </a:schemeClr>
+    </dgm:linClrLst>
+    <dgm:effectClrLst/>
+    <dgm:txLinClrLst/>
+    <dgm:txFillClrLst meth="repeat">
+      <a:schemeClr val="tx1"/>
+    </dgm:txFillClrLst>
+    <dgm:txEffectClrLst/>
+  </dgm:styleLbl>
+  <dgm:styleLbl name="parChTrans1D3">
+    <dgm:fillClrLst meth="repeat">
+      <a:schemeClr val="accent1"/>
+    </dgm:fillClrLst>
+    <dgm:linClrLst meth="repeat">
+      <a:schemeClr val="accent1">
+        <a:shade val="80000"/>
+      </a:schemeClr>
+    </dgm:linClrLst>
+    <dgm:effectClrLst/>
+    <dgm:txLinClrLst/>
+    <dgm:txFillClrLst meth="repeat">
+      <a:schemeClr val="tx1"/>
+    </dgm:txFillClrLst>
+    <dgm:txEffectClrLst/>
+  </dgm:styleLbl>
+  <dgm:styleLbl name="parChTrans1D4">
+    <dgm:fillClrLst meth="repeat">
+      <a:schemeClr val="accent1"/>
+    </dgm:fillClrLst>
+    <dgm:linClrLst meth="repeat">
+      <a:schemeClr val="accent1">
+        <a:shade val="80000"/>
+      </a:schemeClr>
+    </dgm:linClrLst>
+    <dgm:effectClrLst/>
+    <dgm:txLinClrLst/>
+    <dgm:txFillClrLst meth="repeat">
+      <a:schemeClr val="tx1"/>
+    </dgm:txFillClrLst>
+    <dgm:txEffectClrLst/>
+  </dgm:styleLbl>
+  <dgm:styleLbl name="fgAcc1">
+    <dgm:fillClrLst meth="repeat">
+      <a:schemeClr val="lt1">
+        <a:alpha val="90000"/>
+      </a:schemeClr>
+    </dgm:fillClrLst>
+    <dgm:linClrLst meth="repeat">
+      <a:schemeClr val="accent1"/>
+    </dgm:linClrLst>
+    <dgm:effectClrLst/>
+    <dgm:txLinClrLst/>
+    <dgm:txFillClrLst meth="repeat">
+      <a:schemeClr val="dk1"/>
+    </dgm:txFillClrLst>
+    <dgm:txEffectClrLst/>
+  </dgm:styleLbl>
+  <dgm:styleLbl name="conFgAcc1">
+    <dgm:fillClrLst meth="repeat">
+      <a:schemeClr val="lt1">
+        <a:alpha val="90000"/>
+      </a:schemeClr>
+    </dgm:fillClrLst>
+    <dgm:linClrLst meth="repeat">
+      <a:schemeClr val="accent1"/>
+    </dgm:linClrLst>
+    <dgm:effectClrLst/>
+    <dgm:txLinClrLst/>
+    <dgm:txFillClrLst meth="repeat">
+      <a:schemeClr val="dk1"/>
+    </dgm:txFillClrLst>
+    <dgm:txEffectClrLst/>
+  </dgm:styleLbl>
+  <dgm:styleLbl name="alignAcc1">
+    <dgm:fillClrLst meth="repeat">
+      <a:schemeClr val="lt1">
+        <a:alpha val="90000"/>
+      </a:schemeClr>
+    </dgm:fillClrLst>
+    <dgm:linClrLst meth="repeat">
+      <a:schemeClr val="accent1"/>
+    </dgm:linClrLst>
+    <dgm:effectClrLst/>
+    <dgm:txLinClrLst/>
+    <dgm:txFillClrLst meth="repeat">
+      <a:schemeClr val="dk1"/>
+    </dgm:txFillClrLst>
+    <dgm:txEffectClrLst/>
+  </dgm:styleLbl>
+  <dgm:styleLbl name="trAlignAcc1">
+    <dgm:fillClrLst meth="repeat">
+      <a:schemeClr val="lt1">
+        <a:alpha val="40000"/>
+      </a:schemeClr>
+    </dgm:fillClrLst>
+    <dgm:linClrLst meth="repeat">
+      <a:schemeClr val="accent1"/>
+    </dgm:linClrLst>
+    <dgm:effectClrLst/>
+    <dgm:txLinClrLst/>
+    <dgm:txFillClrLst meth="repeat">
+      <a:schemeClr val="dk1"/>
+    </dgm:txFillClrLst>
+    <dgm:txEffectClrLst/>
+  </dgm:styleLbl>
+  <dgm:styleLbl name="bgAcc1">
+    <dgm:fillClrLst meth="repeat">
+      <a:schemeClr val="lt1">
+        <a:alpha val="90000"/>
+      </a:schemeClr>
+    </dgm:fillClrLst>
+    <dgm:linClrLst meth="repeat">
+      <a:schemeClr val="accent1"/>
+    </dgm:linClrLst>
+    <dgm:effectClrLst/>
+    <dgm:txLinClrLst/>
+    <dgm:txFillClrLst meth="repeat">
+      <a:schemeClr val="dk1"/>
+    </dgm:txFillClrLst>
+    <dgm:txEffectClrLst/>
+  </dgm:styleLbl>
+  <dgm:styleLbl name="solidFgAcc1">
+    <dgm:fillClrLst meth="repeat">
+      <a:schemeClr val="lt1"/>
+    </dgm:fillClrLst>
+    <dgm:linClrLst meth="repeat">
+      <a:schemeClr val="accent1"/>
+    </dgm:linClrLst>
+    <dgm:effectClrLst/>
+    <dgm:txLinClrLst/>
+    <dgm:txFillClrLst meth="repeat">
+      <a:schemeClr val="dk1"/>
+    </dgm:txFillClrLst>
+    <dgm:txEffectClrLst/>
+  </dgm:styleLbl>
+  <dgm:styleLbl name="solidAlignAcc1">
+    <dgm:fillClrLst meth="repeat">
+      <a:schemeClr val="lt1"/>
+    </dgm:fillClrLst>
+    <dgm:linClrLst meth="repeat">
+      <a:schemeClr val="accent1"/>
+    </dgm:linClrLst>
+    <dgm:effectClrLst/>
+    <dgm:txLinClrLst/>
+    <dgm:txFillClrLst meth="repeat">
+      <a:schemeClr val="dk1"/>
+    </dgm:txFillClrLst>
+    <dgm:txEffectClrLst/>
+  </dgm:styleLbl>
+  <dgm:styleLbl name="solidBgAcc1">
+    <dgm:fillClrLst meth="repeat">
+      <a:schemeClr val="lt1"/>
+    </dgm:fillClrLst>
+    <dgm:linClrLst meth="repeat">
+      <a:schemeClr val="accent1"/>
+    </dgm:linClrLst>
+    <dgm:effectClrLst/>
+    <dgm:txLinClrLst/>
+    <dgm:txFillClrLst meth="repeat">
+      <a:schemeClr val="dk1"/>
+    </dgm:txFillClrLst>
+    <dgm:txEffectClrLst/>
+  </dgm:styleLbl>
+  <dgm:styleLbl name="fgAccFollowNode1">
+    <dgm:fillClrLst meth="repeat">
+      <a:schemeClr val="accent1">
+        <a:alpha val="90000"/>
+        <a:tint val="40000"/>
+      </a:schemeClr>
+    </dgm:fillClrLst>
+    <dgm:linClrLst meth="repeat">
+      <a:schemeClr val="accent1">
+        <a:alpha val="90000"/>
+        <a:tint val="40000"/>
+      </a:schemeClr>
+    </dgm:linClrLst>
+    <dgm:effectClrLst/>
+    <dgm:txLinClrLst/>
+    <dgm:txFillClrLst meth="repeat">
+      <a:schemeClr val="dk1"/>
+    </dgm:txFillClrLst>
+    <dgm:txEffectClrLst/>
+  </dgm:styleLbl>
+  <dgm:styleLbl name="alignAccFollowNode1">
+    <dgm:fillClrLst meth="repeat">
+      <a:schemeClr val="accent1">
+        <a:alpha val="90000"/>
+        <a:tint val="40000"/>
+      </a:schemeClr>
+    </dgm:fillClrLst>
+    <dgm:linClrLst meth="repeat">
+      <a:schemeClr val="accent1">
+        <a:alpha val="90000"/>
+        <a:tint val="40000"/>
+      </a:schemeClr>
+    </dgm:linClrLst>
+    <dgm:effectClrLst/>
+    <dgm:txLinClrLst/>
+    <dgm:txFillClrLst meth="repeat">
+      <a:schemeClr val="dk1"/>
+    </dgm:txFillClrLst>
+    <dgm:txEffectClrLst/>
+  </dgm:styleLbl>
+  <dgm:styleLbl name="bgAccFollowNode1">
+    <dgm:fillClrLst meth="repeat">
+      <a:schemeClr val="accent1">
+        <a:alpha val="90000"/>
+        <a:tint val="40000"/>
+      </a:schemeClr>
+    </dgm:fillClrLst>
+    <dgm:linClrLst meth="repeat">
+      <a:schemeClr val="accent1">
+        <a:alpha val="90000"/>
+        <a:tint val="40000"/>
+      </a:schemeClr>
+    </dgm:linClrLst>
+    <dgm:effectClrLst/>
+    <dgm:txLinClrLst/>
+    <dgm:txFillClrLst meth="repeat">
+      <a:schemeClr val="dk1"/>
+    </dgm:txFillClrLst>
+    <dgm:txEffectClrLst/>
+  </dgm:styleLbl>
+  <dgm:styleLbl name="fgAcc0">
+    <dgm:fillClrLst meth="repeat">
+      <a:schemeClr val="lt1">
+        <a:alpha val="90000"/>
+      </a:schemeClr>
+    </dgm:fillClrLst>
+    <dgm:linClrLst meth="repeat">
+      <a:schemeClr val="accent1"/>
+    </dgm:linClrLst>
+    <dgm:effectClrLst/>
+    <dgm:txLinClrLst/>
+    <dgm:txFillClrLst meth="repeat">
+      <a:schemeClr val="dk1"/>
+    </dgm:txFillClrLst>
+    <dgm:txEffectClrLst/>
+  </dgm:styleLbl>
+  <dgm:styleLbl name="fgAcc2">
+    <dgm:fillClrLst meth="repeat">
+      <a:schemeClr val="lt1">
+        <a:alpha val="90000"/>
+      </a:schemeClr>
+    </dgm:fillClrLst>
+    <dgm:linClrLst meth="repeat">
+      <a:schemeClr val="accent1"/>
+    </dgm:linClrLst>
+    <dgm:effectClrLst/>
+    <dgm:txLinClrLst/>
+    <dgm:txFillClrLst meth="repeat">
+      <a:schemeClr val="dk1"/>
+    </dgm:txFillClrLst>
+    <dgm:txEffectClrLst/>
+  </dgm:styleLbl>
+  <dgm:styleLbl name="fgAcc3">
+    <dgm:fillClrLst meth="repeat">
+      <a:schemeClr val="lt1">
+        <a:alpha val="90000"/>
+      </a:schemeClr>
+    </dgm:fillClrLst>
+    <dgm:linClrLst meth="repeat">
+      <a:schemeClr val="accent1"/>
+    </dgm:linClrLst>
+    <dgm:effectClrLst/>
+    <dgm:txLinClrLst/>
+    <dgm:txFillClrLst meth="repeat">
+      <a:schemeClr val="dk1"/>
+    </dgm:txFillClrLst>
+    <dgm:txEffectClrLst/>
+  </dgm:styleLbl>
+  <dgm:styleLbl name="fgAcc4">
+    <dgm:fillClrLst meth="repeat">
+      <a:schemeClr val="lt1">
+        <a:alpha val="90000"/>
+      </a:schemeClr>
+    </dgm:fillClrLst>
+    <dgm:linClrLst meth="repeat">
+      <a:schemeClr val="accent1"/>
+    </dgm:linClrLst>
+    <dgm:effectClrLst/>
+    <dgm:txLinClrLst/>
+    <dgm:txFillClrLst meth="repeat">
+      <a:schemeClr val="dk1"/>
+    </dgm:txFillClrLst>
+    <dgm:txEffectClrLst/>
+  </dgm:styleLbl>
+  <dgm:styleLbl name="bgShp">
+    <dgm:fillClrLst meth="repeat">
+      <a:schemeClr val="accent1">
+        <a:tint val="40000"/>
+      </a:schemeClr>
+    </dgm:fillClrLst>
+    <dgm:linClrLst meth="repeat">
+      <a:schemeClr val="accent1"/>
+    </dgm:linClrLst>
+    <dgm:effectClrLst/>
+    <dgm:txLinClrLst/>
+    <dgm:txFillClrLst meth="repeat">
+      <a:schemeClr val="dk1"/>
+    </dgm:txFillClrLst>
+    <dgm:txEffectClrLst/>
+  </dgm:styleLbl>
+  <dgm:styleLbl name="dkBgShp">
+    <dgm:fillClrLst meth="repeat">
+      <a:schemeClr val="accent1">
+        <a:shade val="80000"/>
+      </a:schemeClr>
+    </dgm:fillClrLst>
+    <dgm:linClrLst meth="repeat">
+      <a:schemeClr val="accent1"/>
+    </dgm:linClrLst>
+    <dgm:effectClrLst/>
+    <dgm:txLinClrLst/>
+    <dgm:txFillClrLst meth="repeat">
+      <a:schemeClr val="lt1"/>
+    </dgm:txFillClrLst>
+    <dgm:txEffectClrLst/>
+  </dgm:styleLbl>
+  <dgm:styleLbl name="trBgShp">
+    <dgm:fillClrLst meth="repeat">
+      <a:schemeClr val="accent1">
+        <a:tint val="50000"/>
+        <a:alpha val="40000"/>
+      </a:schemeClr>
+    </dgm:fillClrLst>
+    <dgm:linClrLst meth="repeat">
+      <a:schemeClr val="accent1"/>
+    </dgm:linClrLst>
+    <dgm:effectClrLst/>
+    <dgm:txLinClrLst/>
+    <dgm:txFillClrLst meth="repeat">
+      <a:schemeClr val="lt1"/>
+    </dgm:txFillClrLst>
+    <dgm:txEffectClrLst/>
+  </dgm:styleLbl>
+  <dgm:styleLbl name="fgShp">
+    <dgm:fillClrLst meth="repeat">
+      <a:schemeClr val="accent1">
+        <a:tint val="60000"/>
+      </a:schemeClr>
+    </dgm:fillClrLst>
+    <dgm:linClrLst meth="repeat">
+      <a:schemeClr val="lt1"/>
+    </dgm:linClrLst>
+    <dgm:effectClrLst/>
+    <dgm:txLinClrLst/>
+    <dgm:txFillClrLst meth="repeat">
+      <a:schemeClr val="dk1"/>
+    </dgm:txFillClrLst>
+    <dgm:txEffectClrLst/>
+  </dgm:styleLbl>
+  <dgm:styleLbl name="revTx">
+    <dgm:fillClrLst meth="repeat">
+      <a:schemeClr val="lt1">
+        <a:alpha val="0"/>
+      </a:schemeClr>
+    </dgm:fillClrLst>
+    <dgm:linClrLst meth="repeat">
+      <a:schemeClr val="dk1">
+        <a:alpha val="0"/>
+      </a:schemeClr>
+    </dgm:linClrLst>
+    <dgm:effectClrLst/>
+    <dgm:txLinClrLst/>
+    <dgm:txFillClrLst meth="repeat">
+      <a:schemeClr val="tx1"/>
+    </dgm:txFillClrLst>
+    <dgm:txEffectClrLst/>
+  </dgm:styleLbl>
+</dgm:colorsDef>
+</file>
+
 <file path=ppt/diagrams/data1.xml><?xml version="1.0" encoding="utf-8"?>
 <dgm:dataModel xmlns:dgm="http://schemas.openxmlformats.org/drawingml/2006/diagram" xmlns:a="http://schemas.openxmlformats.org/drawingml/2006/main">
   <dgm:ptLst>
@@ -3043,6 +3791,38 @@
 </file>
 
 <file path=ppt/diagrams/data3.xml><?xml version="1.0" encoding="utf-8"?>
+<dgm:dataModel xmlns:dgm="http://schemas.openxmlformats.org/drawingml/2006/diagram" xmlns:a="http://schemas.openxmlformats.org/drawingml/2006/main">
+  <dgm:ptLst>
+    <dgm:pt modelId="{BBC17571-F5AE-497F-A0AA-DA3BAFA44DD4}" type="doc">
+      <dgm:prSet loTypeId="urn:microsoft.com/office/officeart/2005/8/layout/process1" loCatId="process" qsTypeId="urn:microsoft.com/office/officeart/2005/8/quickstyle/simple1" qsCatId="simple" csTypeId="urn:microsoft.com/office/officeart/2005/8/colors/accent1_2" csCatId="accent1" phldr="1"/>
+      <dgm:spPr/>
+    </dgm:pt>
+    <dgm:pt modelId="{BB10563F-9B2F-48EE-AD44-15E02F0D28D2}" type="pres">
+      <dgm:prSet presAssocID="{BBC17571-F5AE-497F-A0AA-DA3BAFA44DD4}" presName="Name0" presStyleCnt="0">
+        <dgm:presLayoutVars>
+          <dgm:dir/>
+          <dgm:resizeHandles val="exact"/>
+        </dgm:presLayoutVars>
+      </dgm:prSet>
+      <dgm:spPr/>
+    </dgm:pt>
+  </dgm:ptLst>
+  <dgm:cxnLst>
+    <dgm:cxn modelId="{DDF976B0-3BC0-422B-B1FA-9BAAC0DA4E71}" type="presOf" srcId="{BBC17571-F5AE-497F-A0AA-DA3BAFA44DD4}" destId="{BB10563F-9B2F-48EE-AD44-15E02F0D28D2}" srcOrd="0" destOrd="0" presId="urn:microsoft.com/office/officeart/2005/8/layout/process1"/>
+  </dgm:cxnLst>
+  <dgm:bg>
+    <a:noFill/>
+  </dgm:bg>
+  <dgm:whole/>
+  <dgm:extLst>
+    <a:ext uri="http://schemas.microsoft.com/office/drawing/2008/diagram">
+      <dsp:dataModelExt xmlns:dsp="http://schemas.microsoft.com/office/drawing/2008/diagram" relId="rId7" minVer="http://schemas.openxmlformats.org/drawingml/2006/diagram"/>
+    </a:ext>
+  </dgm:extLst>
+</dgm:dataModel>
+</file>
+
+<file path=ppt/diagrams/data4.xml><?xml version="1.0" encoding="utf-8"?>
 <dgm:dataModel xmlns:dgm="http://schemas.openxmlformats.org/drawingml/2006/diagram" xmlns:a="http://schemas.openxmlformats.org/drawingml/2006/main">
   <dgm:ptLst>
     <dgm:pt modelId="{BBC17571-F5AE-497F-A0AA-DA3BAFA44DD4}" type="doc">
@@ -3465,6 +4245,18 @@
 </file>
 
 <file path=ppt/diagrams/drawing3.xml><?xml version="1.0" encoding="utf-8"?>
+<dsp:drawing xmlns:dgm="http://schemas.openxmlformats.org/drawingml/2006/diagram" xmlns:dsp="http://schemas.microsoft.com/office/drawing/2008/diagram" xmlns:a="http://schemas.openxmlformats.org/drawingml/2006/main">
+  <dsp:spTree>
+    <dsp:nvGrpSpPr>
+      <dsp:cNvPr id="0" name=""/>
+      <dsp:cNvGrpSpPr/>
+    </dsp:nvGrpSpPr>
+    <dsp:grpSpPr/>
+  </dsp:spTree>
+</dsp:drawing>
+</file>
+
+<file path=ppt/diagrams/drawing4.xml><?xml version="1.0" encoding="utf-8"?>
 <dsp:drawing xmlns:dgm="http://schemas.openxmlformats.org/drawingml/2006/diagram" xmlns:dsp="http://schemas.microsoft.com/office/drawing/2008/diagram" xmlns:a="http://schemas.openxmlformats.org/drawingml/2006/main">
   <dsp:spTree>
     <dsp:nvGrpSpPr>
@@ -3914,6 +4706,152 @@
 </dgm:layoutDef>
 </file>
 
+<file path=ppt/diagrams/layout4.xml><?xml version="1.0" encoding="utf-8"?>
+<dgm:layoutDef xmlns:dgm="http://schemas.openxmlformats.org/drawingml/2006/diagram" xmlns:a="http://schemas.openxmlformats.org/drawingml/2006/main" uniqueId="urn:microsoft.com/office/officeart/2005/8/layout/process1">
+  <dgm:title val=""/>
+  <dgm:desc val=""/>
+  <dgm:catLst>
+    <dgm:cat type="process" pri="1000"/>
+    <dgm:cat type="convert" pri="15000"/>
+  </dgm:catLst>
+  <dgm:sampData useDef="1">
+    <dgm:dataModel>
+      <dgm:ptLst/>
+      <dgm:bg/>
+      <dgm:whole/>
+    </dgm:dataModel>
+  </dgm:sampData>
+  <dgm:styleData>
+    <dgm:dataModel>
+      <dgm:ptLst>
+        <dgm:pt modelId="0" type="doc"/>
+        <dgm:pt modelId="1"/>
+        <dgm:pt modelId="2"/>
+      </dgm:ptLst>
+      <dgm:cxnLst>
+        <dgm:cxn modelId="3" srcId="0" destId="1" srcOrd="0" destOrd="0"/>
+        <dgm:cxn modelId="4" srcId="0" destId="2" srcOrd="1" destOrd="0"/>
+      </dgm:cxnLst>
+      <dgm:bg/>
+      <dgm:whole/>
+    </dgm:dataModel>
+  </dgm:styleData>
+  <dgm:clrData>
+    <dgm:dataModel>
+      <dgm:ptLst>
+        <dgm:pt modelId="0" type="doc"/>
+        <dgm:pt modelId="1"/>
+        <dgm:pt modelId="2"/>
+        <dgm:pt modelId="3"/>
+        <dgm:pt modelId="4"/>
+      </dgm:ptLst>
+      <dgm:cxnLst>
+        <dgm:cxn modelId="5" srcId="0" destId="1" srcOrd="0" destOrd="0"/>
+        <dgm:cxn modelId="6" srcId="0" destId="2" srcOrd="1" destOrd="0"/>
+        <dgm:cxn modelId="7" srcId="0" destId="3" srcOrd="2" destOrd="0"/>
+        <dgm:cxn modelId="8" srcId="0" destId="4" srcOrd="3" destOrd="0"/>
+      </dgm:cxnLst>
+      <dgm:bg/>
+      <dgm:whole/>
+    </dgm:dataModel>
+  </dgm:clrData>
+  <dgm:layoutNode name="Name0">
+    <dgm:varLst>
+      <dgm:dir/>
+      <dgm:resizeHandles val="exact"/>
+    </dgm:varLst>
+    <dgm:choose name="Name1">
+      <dgm:if name="Name2" func="var" arg="dir" op="equ" val="norm">
+        <dgm:alg type="lin"/>
+      </dgm:if>
+      <dgm:else name="Name3">
+        <dgm:alg type="lin">
+          <dgm:param type="linDir" val="fromR"/>
+        </dgm:alg>
+      </dgm:else>
+    </dgm:choose>
+    <dgm:shape xmlns:r="http://schemas.openxmlformats.org/officeDocument/2006/relationships" r:blip="">
+      <dgm:adjLst/>
+    </dgm:shape>
+    <dgm:presOf/>
+    <dgm:constrLst>
+      <dgm:constr type="w" for="ch" ptType="node" refType="w"/>
+      <dgm:constr type="h" for="ch" ptType="node" op="equ"/>
+      <dgm:constr type="primFontSz" for="ch" ptType="node" op="equ" val="65"/>
+      <dgm:constr type="w" for="ch" ptType="sibTrans" refType="w" refFor="ch" refPtType="node" op="equ" fact="0.4"/>
+      <dgm:constr type="h" for="ch" ptType="sibTrans" op="equ"/>
+      <dgm:constr type="primFontSz" for="des" forName="connectorText" op="equ" val="55"/>
+      <dgm:constr type="primFontSz" for="des" forName="connectorText" refType="primFontSz" refFor="ch" refPtType="node" op="lte" fact="0.8"/>
+    </dgm:constrLst>
+    <dgm:ruleLst/>
+    <dgm:forEach name="nodesForEach" axis="ch" ptType="node">
+      <dgm:layoutNode name="node">
+        <dgm:varLst>
+          <dgm:bulletEnabled val="1"/>
+        </dgm:varLst>
+        <dgm:alg type="tx"/>
+        <dgm:shape xmlns:r="http://schemas.openxmlformats.org/officeDocument/2006/relationships" type="roundRect" r:blip="">
+          <dgm:adjLst>
+            <dgm:adj idx="1" val="0.1"/>
+          </dgm:adjLst>
+        </dgm:shape>
+        <dgm:presOf axis="desOrSelf" ptType="node"/>
+        <dgm:constrLst>
+          <dgm:constr type="h" refType="w" fact="0.6"/>
+          <dgm:constr type="tMarg" refType="primFontSz" fact="0.3"/>
+          <dgm:constr type="bMarg" refType="primFontSz" fact="0.3"/>
+          <dgm:constr type="lMarg" refType="primFontSz" fact="0.3"/>
+          <dgm:constr type="rMarg" refType="primFontSz" fact="0.3"/>
+        </dgm:constrLst>
+        <dgm:ruleLst>
+          <dgm:rule type="primFontSz" val="18" fact="NaN" max="NaN"/>
+          <dgm:rule type="h" val="NaN" fact="1.5" max="NaN"/>
+          <dgm:rule type="primFontSz" val="5" fact="NaN" max="NaN"/>
+          <dgm:rule type="h" val="INF" fact="NaN" max="NaN"/>
+        </dgm:ruleLst>
+      </dgm:layoutNode>
+      <dgm:forEach name="sibTransForEach" axis="followSib" ptType="sibTrans" cnt="1">
+        <dgm:layoutNode name="sibTrans">
+          <dgm:alg type="conn">
+            <dgm:param type="begPts" val="auto"/>
+            <dgm:param type="endPts" val="auto"/>
+          </dgm:alg>
+          <dgm:shape xmlns:r="http://schemas.openxmlformats.org/officeDocument/2006/relationships" type="conn" r:blip="">
+            <dgm:adjLst/>
+          </dgm:shape>
+          <dgm:presOf axis="self"/>
+          <dgm:constrLst>
+            <dgm:constr type="h" refType="w" fact="0.62"/>
+            <dgm:constr type="connDist"/>
+            <dgm:constr type="begPad" refType="connDist" fact="0.25"/>
+            <dgm:constr type="endPad" refType="connDist" fact="0.22"/>
+          </dgm:constrLst>
+          <dgm:ruleLst/>
+          <dgm:layoutNode name="connectorText">
+            <dgm:alg type="tx">
+              <dgm:param type="autoTxRot" val="grav"/>
+            </dgm:alg>
+            <dgm:shape xmlns:r="http://schemas.openxmlformats.org/officeDocument/2006/relationships" type="conn" r:blip="" hideGeom="1">
+              <dgm:adjLst/>
+            </dgm:shape>
+            <dgm:presOf axis="self"/>
+            <dgm:constrLst>
+              <dgm:constr type="lMarg"/>
+              <dgm:constr type="rMarg"/>
+              <dgm:constr type="tMarg"/>
+              <dgm:constr type="bMarg"/>
+            </dgm:constrLst>
+            <dgm:ruleLst>
+              <dgm:rule type="primFontSz" val="5" fact="NaN" max="NaN"/>
+            </dgm:ruleLst>
+          </dgm:layoutNode>
+        </dgm:layoutNode>
+      </dgm:forEach>
+    </dgm:forEach>
+  </dgm:layoutNode>
+</dgm:layoutDef>
+</file>
+
 <file path=ppt/diagrams/quickStyle1.xml><?xml version="1.0" encoding="utf-8"?>
 <dgm:styleDef xmlns:dgm="http://schemas.openxmlformats.org/drawingml/2006/diagram" xmlns:a="http://schemas.openxmlformats.org/drawingml/2006/main" uniqueId="urn:microsoft.com/office/officeart/2005/8/quickstyle/simple1">
   <dgm:title val=""/>
@@ -5983,6 +6921,1040 @@
 </file>
 
 <file path=ppt/diagrams/quickStyle3.xml><?xml version="1.0" encoding="utf-8"?>
+<dgm:styleDef xmlns:dgm="http://schemas.openxmlformats.org/drawingml/2006/diagram" xmlns:a="http://schemas.openxmlformats.org/drawingml/2006/main" uniqueId="urn:microsoft.com/office/officeart/2005/8/quickstyle/simple1">
+  <dgm:title val=""/>
+  <dgm:desc val=""/>
+  <dgm:catLst>
+    <dgm:cat type="simple" pri="10100"/>
+  </dgm:catLst>
+  <dgm:scene3d>
+    <a:camera prst="orthographicFront"/>
+    <a:lightRig rig="threePt" dir="t"/>
+  </dgm:scene3d>
+  <dgm:styleLbl name="node0">
+    <dgm:scene3d>
+      <a:camera prst="orthographicFront"/>
+      <a:lightRig rig="threePt" dir="t"/>
+    </dgm:scene3d>
+    <dgm:sp3d/>
+    <dgm:txPr/>
+    <dgm:style>
+      <a:lnRef idx="2">
+        <a:scrgbClr r="0" g="0" b="0"/>
+      </a:lnRef>
+      <a:fillRef idx="1">
+        <a:scrgbClr r="0" g="0" b="0"/>
+      </a:fillRef>
+      <a:effectRef idx="0">
+        <a:scrgbClr r="0" g="0" b="0"/>
+      </a:effectRef>
+      <a:fontRef idx="minor">
+        <a:schemeClr val="lt1"/>
+      </a:fontRef>
+    </dgm:style>
+  </dgm:styleLbl>
+  <dgm:styleLbl name="lnNode1">
+    <dgm:scene3d>
+      <a:camera prst="orthographicFront"/>
+      <a:lightRig rig="threePt" dir="t"/>
+    </dgm:scene3d>
+    <dgm:sp3d/>
+    <dgm:txPr/>
+    <dgm:style>
+      <a:lnRef idx="2">
+        <a:scrgbClr r="0" g="0" b="0"/>
+      </a:lnRef>
+      <a:fillRef idx="1">
+        <a:scrgbClr r="0" g="0" b="0"/>
+      </a:fillRef>
+      <a:effectRef idx="0">
+        <a:scrgbClr r="0" g="0" b="0"/>
+      </a:effectRef>
+      <a:fontRef idx="minor">
+        <a:schemeClr val="lt1"/>
+      </a:fontRef>
+    </dgm:style>
+  </dgm:styleLbl>
+  <dgm:styleLbl name="vennNode1">
+    <dgm:scene3d>
+      <a:camera prst="orthographicFront"/>
+      <a:lightRig rig="threePt" dir="t"/>
+    </dgm:scene3d>
+    <dgm:sp3d/>
+    <dgm:txPr/>
+    <dgm:style>
+      <a:lnRef idx="2">
+        <a:scrgbClr r="0" g="0" b="0"/>
+      </a:lnRef>
+      <a:fillRef idx="1">
+        <a:scrgbClr r="0" g="0" b="0"/>
+      </a:fillRef>
+      <a:effectRef idx="0">
+        <a:scrgbClr r="0" g="0" b="0"/>
+      </a:effectRef>
+      <a:fontRef idx="minor">
+        <a:schemeClr val="tx1"/>
+      </a:fontRef>
+    </dgm:style>
+  </dgm:styleLbl>
+  <dgm:styleLbl name="alignNode1">
+    <dgm:scene3d>
+      <a:camera prst="orthographicFront"/>
+      <a:lightRig rig="threePt" dir="t"/>
+    </dgm:scene3d>
+    <dgm:sp3d/>
+    <dgm:txPr/>
+    <dgm:style>
+      <a:lnRef idx="2">
+        <a:scrgbClr r="0" g="0" b="0"/>
+      </a:lnRef>
+      <a:fillRef idx="1">
+        <a:scrgbClr r="0" g="0" b="0"/>
+      </a:fillRef>
+      <a:effectRef idx="0">
+        <a:scrgbClr r="0" g="0" b="0"/>
+      </a:effectRef>
+      <a:fontRef idx="minor">
+        <a:schemeClr val="lt1"/>
+      </a:fontRef>
+    </dgm:style>
+  </dgm:styleLbl>
+  <dgm:styleLbl name="node1">
+    <dgm:scene3d>
+      <a:camera prst="orthographicFront"/>
+      <a:lightRig rig="threePt" dir="t"/>
+    </dgm:scene3d>
+    <dgm:sp3d/>
+    <dgm:txPr/>
+    <dgm:style>
+      <a:lnRef idx="2">
+        <a:scrgbClr r="0" g="0" b="0"/>
+      </a:lnRef>
+      <a:fillRef idx="1">
+        <a:scrgbClr r="0" g="0" b="0"/>
+      </a:fillRef>
+      <a:effectRef idx="0">
+        <a:scrgbClr r="0" g="0" b="0"/>
+      </a:effectRef>
+      <a:fontRef idx="minor">
+        <a:schemeClr val="lt1"/>
+      </a:fontRef>
+    </dgm:style>
+  </dgm:styleLbl>
+  <dgm:styleLbl name="node2">
+    <dgm:scene3d>
+      <a:camera prst="orthographicFront"/>
+      <a:lightRig rig="threePt" dir="t"/>
+    </dgm:scene3d>
+    <dgm:sp3d/>
+    <dgm:txPr/>
+    <dgm:style>
+      <a:lnRef idx="2">
+        <a:scrgbClr r="0" g="0" b="0"/>
+      </a:lnRef>
+      <a:fillRef idx="1">
+        <a:scrgbClr r="0" g="0" b="0"/>
+      </a:fillRef>
+      <a:effectRef idx="0">
+        <a:scrgbClr r="0" g="0" b="0"/>
+      </a:effectRef>
+      <a:fontRef idx="minor">
+        <a:schemeClr val="lt1"/>
+      </a:fontRef>
+    </dgm:style>
+  </dgm:styleLbl>
+  <dgm:styleLbl name="node3">
+    <dgm:scene3d>
+      <a:camera prst="orthographicFront"/>
+      <a:lightRig rig="threePt" dir="t"/>
+    </dgm:scene3d>
+    <dgm:sp3d/>
+    <dgm:txPr/>
+    <dgm:style>
+      <a:lnRef idx="2">
+        <a:scrgbClr r="0" g="0" b="0"/>
+      </a:lnRef>
+      <a:fillRef idx="1">
+        <a:scrgbClr r="0" g="0" b="0"/>
+      </a:fillRef>
+      <a:effectRef idx="0">
+        <a:scrgbClr r="0" g="0" b="0"/>
+      </a:effectRef>
+      <a:fontRef idx="minor">
+        <a:schemeClr val="lt1"/>
+      </a:fontRef>
+    </dgm:style>
+  </dgm:styleLbl>
+  <dgm:styleLbl name="node4">
+    <dgm:scene3d>
+      <a:camera prst="orthographicFront"/>
+      <a:lightRig rig="threePt" dir="t"/>
+    </dgm:scene3d>
+    <dgm:sp3d/>
+    <dgm:txPr/>
+    <dgm:style>
+      <a:lnRef idx="2">
+        <a:scrgbClr r="0" g="0" b="0"/>
+      </a:lnRef>
+      <a:fillRef idx="1">
+        <a:scrgbClr r="0" g="0" b="0"/>
+      </a:fillRef>
+      <a:effectRef idx="0">
+        <a:scrgbClr r="0" g="0" b="0"/>
+      </a:effectRef>
+      <a:fontRef idx="minor">
+        <a:schemeClr val="lt1"/>
+      </a:fontRef>
+    </dgm:style>
+  </dgm:styleLbl>
+  <dgm:styleLbl name="fgImgPlace1">
+    <dgm:scene3d>
+      <a:camera prst="orthographicFront"/>
+      <a:lightRig rig="threePt" dir="t"/>
+    </dgm:scene3d>
+    <dgm:sp3d/>
+    <dgm:txPr/>
+    <dgm:style>
+      <a:lnRef idx="2">
+        <a:scrgbClr r="0" g="0" b="0"/>
+      </a:lnRef>
+      <a:fillRef idx="1">
+        <a:scrgbClr r="0" g="0" b="0"/>
+      </a:fillRef>
+      <a:effectRef idx="0">
+        <a:scrgbClr r="0" g="0" b="0"/>
+      </a:effectRef>
+      <a:fontRef idx="minor"/>
+    </dgm:style>
+  </dgm:styleLbl>
+  <dgm:styleLbl name="alignImgPlace1">
+    <dgm:scene3d>
+      <a:camera prst="orthographicFront"/>
+      <a:lightRig rig="threePt" dir="t"/>
+    </dgm:scene3d>
+    <dgm:sp3d/>
+    <dgm:txPr/>
+    <dgm:style>
+      <a:lnRef idx="2">
+        <a:scrgbClr r="0" g="0" b="0"/>
+      </a:lnRef>
+      <a:fillRef idx="1">
+        <a:scrgbClr r="0" g="0" b="0"/>
+      </a:fillRef>
+      <a:effectRef idx="0">
+        <a:scrgbClr r="0" g="0" b="0"/>
+      </a:effectRef>
+      <a:fontRef idx="minor"/>
+    </dgm:style>
+  </dgm:styleLbl>
+  <dgm:styleLbl name="bgImgPlace1">
+    <dgm:scene3d>
+      <a:camera prst="orthographicFront"/>
+      <a:lightRig rig="threePt" dir="t"/>
+    </dgm:scene3d>
+    <dgm:sp3d/>
+    <dgm:txPr/>
+    <dgm:style>
+      <a:lnRef idx="2">
+        <a:scrgbClr r="0" g="0" b="0"/>
+      </a:lnRef>
+      <a:fillRef idx="1">
+        <a:scrgbClr r="0" g="0" b="0"/>
+      </a:fillRef>
+      <a:effectRef idx="0">
+        <a:scrgbClr r="0" g="0" b="0"/>
+      </a:effectRef>
+      <a:fontRef idx="minor"/>
+    </dgm:style>
+  </dgm:styleLbl>
+  <dgm:styleLbl name="sibTrans2D1">
+    <dgm:scene3d>
+      <a:camera prst="orthographicFront"/>
+      <a:lightRig rig="threePt" dir="t"/>
+    </dgm:scene3d>
+    <dgm:sp3d/>
+    <dgm:txPr/>
+    <dgm:style>
+      <a:lnRef idx="0">
+        <a:scrgbClr r="0" g="0" b="0"/>
+      </a:lnRef>
+      <a:fillRef idx="1">
+        <a:scrgbClr r="0" g="0" b="0"/>
+      </a:fillRef>
+      <a:effectRef idx="0">
+        <a:scrgbClr r="0" g="0" b="0"/>
+      </a:effectRef>
+      <a:fontRef idx="minor">
+        <a:schemeClr val="lt1"/>
+      </a:fontRef>
+    </dgm:style>
+  </dgm:styleLbl>
+  <dgm:styleLbl name="fgSibTrans2D1">
+    <dgm:scene3d>
+      <a:camera prst="orthographicFront"/>
+      <a:lightRig rig="threePt" dir="t"/>
+    </dgm:scene3d>
+    <dgm:sp3d/>
+    <dgm:txPr/>
+    <dgm:style>
+      <a:lnRef idx="0">
+        <a:scrgbClr r="0" g="0" b="0"/>
+      </a:lnRef>
+      <a:fillRef idx="1">
+        <a:scrgbClr r="0" g="0" b="0"/>
+      </a:fillRef>
+      <a:effectRef idx="0">
+        <a:scrgbClr r="0" g="0" b="0"/>
+      </a:effectRef>
+      <a:fontRef idx="minor">
+        <a:schemeClr val="lt1"/>
+      </a:fontRef>
+    </dgm:style>
+  </dgm:styleLbl>
+  <dgm:styleLbl name="bgSibTrans2D1">
+    <dgm:scene3d>
+      <a:camera prst="orthographicFront"/>
+      <a:lightRig rig="threePt" dir="t"/>
+    </dgm:scene3d>
+    <dgm:sp3d/>
+    <dgm:txPr/>
+    <dgm:style>
+      <a:lnRef idx="0">
+        <a:scrgbClr r="0" g="0" b="0"/>
+      </a:lnRef>
+      <a:fillRef idx="1">
+        <a:scrgbClr r="0" g="0" b="0"/>
+      </a:fillRef>
+      <a:effectRef idx="0">
+        <a:scrgbClr r="0" g="0" b="0"/>
+      </a:effectRef>
+      <a:fontRef idx="minor">
+        <a:schemeClr val="lt1"/>
+      </a:fontRef>
+    </dgm:style>
+  </dgm:styleLbl>
+  <dgm:styleLbl name="sibTrans1D1">
+    <dgm:scene3d>
+      <a:camera prst="orthographicFront"/>
+      <a:lightRig rig="threePt" dir="t"/>
+    </dgm:scene3d>
+    <dgm:sp3d/>
+    <dgm:txPr/>
+    <dgm:style>
+      <a:lnRef idx="1">
+        <a:scrgbClr r="0" g="0" b="0"/>
+      </a:lnRef>
+      <a:fillRef idx="0">
+        <a:scrgbClr r="0" g="0" b="0"/>
+      </a:fillRef>
+      <a:effectRef idx="0">
+        <a:scrgbClr r="0" g="0" b="0"/>
+      </a:effectRef>
+      <a:fontRef idx="minor"/>
+    </dgm:style>
+  </dgm:styleLbl>
+  <dgm:styleLbl name="callout">
+    <dgm:scene3d>
+      <a:camera prst="orthographicFront"/>
+      <a:lightRig rig="threePt" dir="t"/>
+    </dgm:scene3d>
+    <dgm:sp3d/>
+    <dgm:txPr/>
+    <dgm:style>
+      <a:lnRef idx="2">
+        <a:scrgbClr r="0" g="0" b="0"/>
+      </a:lnRef>
+      <a:fillRef idx="1">
+        <a:scrgbClr r="0" g="0" b="0"/>
+      </a:fillRef>
+      <a:effectRef idx="0">
+        <a:scrgbClr r="0" g="0" b="0"/>
+      </a:effectRef>
+      <a:fontRef idx="minor"/>
+    </dgm:style>
+  </dgm:styleLbl>
+  <dgm:styleLbl name="asst0">
+    <dgm:scene3d>
+      <a:camera prst="orthographicFront"/>
+      <a:lightRig rig="threePt" dir="t"/>
+    </dgm:scene3d>
+    <dgm:sp3d/>
+    <dgm:txPr/>
+    <dgm:style>
+      <a:lnRef idx="2">
+        <a:scrgbClr r="0" g="0" b="0"/>
+      </a:lnRef>
+      <a:fillRef idx="1">
+        <a:scrgbClr r="0" g="0" b="0"/>
+      </a:fillRef>
+      <a:effectRef idx="0">
+        <a:scrgbClr r="0" g="0" b="0"/>
+      </a:effectRef>
+      <a:fontRef idx="minor">
+        <a:schemeClr val="lt1"/>
+      </a:fontRef>
+    </dgm:style>
+  </dgm:styleLbl>
+  <dgm:styleLbl name="asst1">
+    <dgm:scene3d>
+      <a:camera prst="orthographicFront"/>
+      <a:lightRig rig="threePt" dir="t"/>
+    </dgm:scene3d>
+    <dgm:sp3d/>
+    <dgm:txPr/>
+    <dgm:style>
+      <a:lnRef idx="2">
+        <a:scrgbClr r="0" g="0" b="0"/>
+      </a:lnRef>
+      <a:fillRef idx="1">
+        <a:scrgbClr r="0" g="0" b="0"/>
+      </a:fillRef>
+      <a:effectRef idx="0">
+        <a:scrgbClr r="0" g="0" b="0"/>
+      </a:effectRef>
+      <a:fontRef idx="minor">
+        <a:schemeClr val="lt1"/>
+      </a:fontRef>
+    </dgm:style>
+  </dgm:styleLbl>
+  <dgm:styleLbl name="asst2">
+    <dgm:scene3d>
+      <a:camera prst="orthographicFront"/>
+      <a:lightRig rig="threePt" dir="t"/>
+    </dgm:scene3d>
+    <dgm:sp3d/>
+    <dgm:txPr/>
+    <dgm:style>
+      <a:lnRef idx="2">
+        <a:scrgbClr r="0" g="0" b="0"/>
+      </a:lnRef>
+      <a:fillRef idx="1">
+        <a:scrgbClr r="0" g="0" b="0"/>
+      </a:fillRef>
+      <a:effectRef idx="0">
+        <a:scrgbClr r="0" g="0" b="0"/>
+      </a:effectRef>
+      <a:fontRef idx="minor">
+        <a:schemeClr val="lt1"/>
+      </a:fontRef>
+    </dgm:style>
+  </dgm:styleLbl>
+  <dgm:styleLbl name="asst3">
+    <dgm:scene3d>
+      <a:camera prst="orthographicFront"/>
+      <a:lightRig rig="threePt" dir="t"/>
+    </dgm:scene3d>
+    <dgm:sp3d/>
+    <dgm:txPr/>
+    <dgm:style>
+      <a:lnRef idx="2">
+        <a:scrgbClr r="0" g="0" b="0"/>
+      </a:lnRef>
+      <a:fillRef idx="1">
+        <a:scrgbClr r="0" g="0" b="0"/>
+      </a:fillRef>
+      <a:effectRef idx="0">
+        <a:scrgbClr r="0" g="0" b="0"/>
+      </a:effectRef>
+      <a:fontRef idx="minor">
+        <a:schemeClr val="lt1"/>
+      </a:fontRef>
+    </dgm:style>
+  </dgm:styleLbl>
+  <dgm:styleLbl name="asst4">
+    <dgm:scene3d>
+      <a:camera prst="orthographicFront"/>
+      <a:lightRig rig="threePt" dir="t"/>
+    </dgm:scene3d>
+    <dgm:sp3d/>
+    <dgm:txPr/>
+    <dgm:style>
+      <a:lnRef idx="2">
+        <a:scrgbClr r="0" g="0" b="0"/>
+      </a:lnRef>
+      <a:fillRef idx="1">
+        <a:scrgbClr r="0" g="0" b="0"/>
+      </a:fillRef>
+      <a:effectRef idx="0">
+        <a:scrgbClr r="0" g="0" b="0"/>
+      </a:effectRef>
+      <a:fontRef idx="minor">
+        <a:schemeClr val="lt1"/>
+      </a:fontRef>
+    </dgm:style>
+  </dgm:styleLbl>
+  <dgm:styleLbl name="parChTrans2D1">
+    <dgm:scene3d>
+      <a:camera prst="orthographicFront"/>
+      <a:lightRig rig="threePt" dir="t"/>
+    </dgm:scene3d>
+    <dgm:sp3d/>
+    <dgm:txPr/>
+    <dgm:style>
+      <a:lnRef idx="2">
+        <a:scrgbClr r="0" g="0" b="0"/>
+      </a:lnRef>
+      <a:fillRef idx="1">
+        <a:scrgbClr r="0" g="0" b="0"/>
+      </a:fillRef>
+      <a:effectRef idx="0">
+        <a:scrgbClr r="0" g="0" b="0"/>
+      </a:effectRef>
+      <a:fontRef idx="minor">
+        <a:schemeClr val="lt1"/>
+      </a:fontRef>
+    </dgm:style>
+  </dgm:styleLbl>
+  <dgm:styleLbl name="parChTrans2D2">
+    <dgm:scene3d>
+      <a:camera prst="orthographicFront"/>
+      <a:lightRig rig="threePt" dir="t"/>
+    </dgm:scene3d>
+    <dgm:sp3d/>
+    <dgm:txPr/>
+    <dgm:style>
+      <a:lnRef idx="2">
+        <a:scrgbClr r="0" g="0" b="0"/>
+      </a:lnRef>
+      <a:fillRef idx="1">
+        <a:scrgbClr r="0" g="0" b="0"/>
+      </a:fillRef>
+      <a:effectRef idx="0">
+        <a:scrgbClr r="0" g="0" b="0"/>
+      </a:effectRef>
+      <a:fontRef idx="minor">
+        <a:schemeClr val="lt1"/>
+      </a:fontRef>
+    </dgm:style>
+  </dgm:styleLbl>
+  <dgm:styleLbl name="parChTrans2D3">
+    <dgm:scene3d>
+      <a:camera prst="orthographicFront"/>
+      <a:lightRig rig="threePt" dir="t"/>
+    </dgm:scene3d>
+    <dgm:sp3d/>
+    <dgm:txPr/>
+    <dgm:style>
+      <a:lnRef idx="2">
+        <a:scrgbClr r="0" g="0" b="0"/>
+      </a:lnRef>
+      <a:fillRef idx="1">
+        <a:scrgbClr r="0" g="0" b="0"/>
+      </a:fillRef>
+      <a:effectRef idx="0">
+        <a:scrgbClr r="0" g="0" b="0"/>
+      </a:effectRef>
+      <a:fontRef idx="minor">
+        <a:schemeClr val="lt1"/>
+      </a:fontRef>
+    </dgm:style>
+  </dgm:styleLbl>
+  <dgm:styleLbl name="parChTrans2D4">
+    <dgm:scene3d>
+      <a:camera prst="orthographicFront"/>
+      <a:lightRig rig="threePt" dir="t"/>
+    </dgm:scene3d>
+    <dgm:sp3d/>
+    <dgm:txPr/>
+    <dgm:style>
+      <a:lnRef idx="2">
+        <a:scrgbClr r="0" g="0" b="0"/>
+      </a:lnRef>
+      <a:fillRef idx="1">
+        <a:scrgbClr r="0" g="0" b="0"/>
+      </a:fillRef>
+      <a:effectRef idx="0">
+        <a:scrgbClr r="0" g="0" b="0"/>
+      </a:effectRef>
+      <a:fontRef idx="minor">
+        <a:schemeClr val="lt1"/>
+      </a:fontRef>
+    </dgm:style>
+  </dgm:styleLbl>
+  <dgm:styleLbl name="parChTrans1D1">
+    <dgm:scene3d>
+      <a:camera prst="orthographicFront"/>
+      <a:lightRig rig="threePt" dir="t"/>
+    </dgm:scene3d>
+    <dgm:sp3d/>
+    <dgm:txPr/>
+    <dgm:style>
+      <a:lnRef idx="2">
+        <a:scrgbClr r="0" g="0" b="0"/>
+      </a:lnRef>
+      <a:fillRef idx="0">
+        <a:scrgbClr r="0" g="0" b="0"/>
+      </a:fillRef>
+      <a:effectRef idx="0">
+        <a:scrgbClr r="0" g="0" b="0"/>
+      </a:effectRef>
+      <a:fontRef idx="minor"/>
+    </dgm:style>
+  </dgm:styleLbl>
+  <dgm:styleLbl name="parChTrans1D2">
+    <dgm:scene3d>
+      <a:camera prst="orthographicFront"/>
+      <a:lightRig rig="threePt" dir="t"/>
+    </dgm:scene3d>
+    <dgm:sp3d/>
+    <dgm:txPr/>
+    <dgm:style>
+      <a:lnRef idx="2">
+        <a:scrgbClr r="0" g="0" b="0"/>
+      </a:lnRef>
+      <a:fillRef idx="0">
+        <a:scrgbClr r="0" g="0" b="0"/>
+      </a:fillRef>
+      <a:effectRef idx="0">
+        <a:scrgbClr r="0" g="0" b="0"/>
+      </a:effectRef>
+      <a:fontRef idx="minor"/>
+    </dgm:style>
+  </dgm:styleLbl>
+  <dgm:styleLbl name="parChTrans1D3">
+    <dgm:scene3d>
+      <a:camera prst="orthographicFront"/>
+      <a:lightRig rig="threePt" dir="t"/>
+    </dgm:scene3d>
+    <dgm:sp3d/>
+    <dgm:txPr/>
+    <dgm:style>
+      <a:lnRef idx="2">
+        <a:scrgbClr r="0" g="0" b="0"/>
+      </a:lnRef>
+      <a:fillRef idx="0">
+        <a:scrgbClr r="0" g="0" b="0"/>
+      </a:fillRef>
+      <a:effectRef idx="0">
+        <a:scrgbClr r="0" g="0" b="0"/>
+      </a:effectRef>
+      <a:fontRef idx="minor"/>
+    </dgm:style>
+  </dgm:styleLbl>
+  <dgm:styleLbl name="parChTrans1D4">
+    <dgm:scene3d>
+      <a:camera prst="orthographicFront"/>
+      <a:lightRig rig="threePt" dir="t"/>
+    </dgm:scene3d>
+    <dgm:sp3d/>
+    <dgm:txPr/>
+    <dgm:style>
+      <a:lnRef idx="2">
+        <a:scrgbClr r="0" g="0" b="0"/>
+      </a:lnRef>
+      <a:fillRef idx="0">
+        <a:scrgbClr r="0" g="0" b="0"/>
+      </a:fillRef>
+      <a:effectRef idx="0">
+        <a:scrgbClr r="0" g="0" b="0"/>
+      </a:effectRef>
+      <a:fontRef idx="minor"/>
+    </dgm:style>
+  </dgm:styleLbl>
+  <dgm:styleLbl name="fgAcc1">
+    <dgm:scene3d>
+      <a:camera prst="orthographicFront"/>
+      <a:lightRig rig="threePt" dir="t"/>
+    </dgm:scene3d>
+    <dgm:sp3d/>
+    <dgm:txPr/>
+    <dgm:style>
+      <a:lnRef idx="2">
+        <a:scrgbClr r="0" g="0" b="0"/>
+      </a:lnRef>
+      <a:fillRef idx="1">
+        <a:scrgbClr r="0" g="0" b="0"/>
+      </a:fillRef>
+      <a:effectRef idx="0">
+        <a:scrgbClr r="0" g="0" b="0"/>
+      </a:effectRef>
+      <a:fontRef idx="minor"/>
+    </dgm:style>
+  </dgm:styleLbl>
+  <dgm:styleLbl name="conFgAcc1">
+    <dgm:scene3d>
+      <a:camera prst="orthographicFront"/>
+      <a:lightRig rig="threePt" dir="t"/>
+    </dgm:scene3d>
+    <dgm:sp3d/>
+    <dgm:txPr/>
+    <dgm:style>
+      <a:lnRef idx="2">
+        <a:scrgbClr r="0" g="0" b="0"/>
+      </a:lnRef>
+      <a:fillRef idx="1">
+        <a:scrgbClr r="0" g="0" b="0"/>
+      </a:fillRef>
+      <a:effectRef idx="0">
+        <a:scrgbClr r="0" g="0" b="0"/>
+      </a:effectRef>
+      <a:fontRef idx="minor"/>
+    </dgm:style>
+  </dgm:styleLbl>
+  <dgm:styleLbl name="alignAcc1">
+    <dgm:scene3d>
+      <a:camera prst="orthographicFront"/>
+      <a:lightRig rig="threePt" dir="t"/>
+    </dgm:scene3d>
+    <dgm:sp3d/>
+    <dgm:txPr/>
+    <dgm:style>
+      <a:lnRef idx="2">
+        <a:scrgbClr r="0" g="0" b="0"/>
+      </a:lnRef>
+      <a:fillRef idx="1">
+        <a:scrgbClr r="0" g="0" b="0"/>
+      </a:fillRef>
+      <a:effectRef idx="0">
+        <a:scrgbClr r="0" g="0" b="0"/>
+      </a:effectRef>
+      <a:fontRef idx="minor"/>
+    </dgm:style>
+  </dgm:styleLbl>
+  <dgm:styleLbl name="trAlignAcc1">
+    <dgm:scene3d>
+      <a:camera prst="orthographicFront"/>
+      <a:lightRig rig="threePt" dir="t"/>
+    </dgm:scene3d>
+    <dgm:sp3d/>
+    <dgm:txPr/>
+    <dgm:style>
+      <a:lnRef idx="1">
+        <a:scrgbClr r="0" g="0" b="0"/>
+      </a:lnRef>
+      <a:fillRef idx="1">
+        <a:scrgbClr r="0" g="0" b="0"/>
+      </a:fillRef>
+      <a:effectRef idx="0">
+        <a:scrgbClr r="0" g="0" b="0"/>
+      </a:effectRef>
+      <a:fontRef idx="minor"/>
+    </dgm:style>
+  </dgm:styleLbl>
+  <dgm:styleLbl name="bgAcc1">
+    <dgm:scene3d>
+      <a:camera prst="orthographicFront"/>
+      <a:lightRig rig="threePt" dir="t"/>
+    </dgm:scene3d>
+    <dgm:sp3d/>
+    <dgm:txPr/>
+    <dgm:style>
+      <a:lnRef idx="2">
+        <a:scrgbClr r="0" g="0" b="0"/>
+      </a:lnRef>
+      <a:fillRef idx="1">
+        <a:scrgbClr r="0" g="0" b="0"/>
+      </a:fillRef>
+      <a:effectRef idx="0">
+        <a:scrgbClr r="0" g="0" b="0"/>
+      </a:effectRef>
+      <a:fontRef idx="minor"/>
+    </dgm:style>
+  </dgm:styleLbl>
+  <dgm:styleLbl name="solidFgAcc1">
+    <dgm:scene3d>
+      <a:camera prst="orthographicFront"/>
+      <a:lightRig rig="threePt" dir="t"/>
+    </dgm:scene3d>
+    <dgm:sp3d/>
+    <dgm:txPr/>
+    <dgm:style>
+      <a:lnRef idx="2">
+        <a:scrgbClr r="0" g="0" b="0"/>
+      </a:lnRef>
+      <a:fillRef idx="1">
+        <a:scrgbClr r="0" g="0" b="0"/>
+      </a:fillRef>
+      <a:effectRef idx="0">
+        <a:scrgbClr r="0" g="0" b="0"/>
+      </a:effectRef>
+      <a:fontRef idx="minor"/>
+    </dgm:style>
+  </dgm:styleLbl>
+  <dgm:styleLbl name="solidAlignAcc1">
+    <dgm:scene3d>
+      <a:camera prst="orthographicFront"/>
+      <a:lightRig rig="threePt" dir="t"/>
+    </dgm:scene3d>
+    <dgm:sp3d/>
+    <dgm:txPr/>
+    <dgm:style>
+      <a:lnRef idx="2">
+        <a:scrgbClr r="0" g="0" b="0"/>
+      </a:lnRef>
+      <a:fillRef idx="1">
+        <a:scrgbClr r="0" g="0" b="0"/>
+      </a:fillRef>
+      <a:effectRef idx="0">
+        <a:scrgbClr r="0" g="0" b="0"/>
+      </a:effectRef>
+      <a:fontRef idx="minor"/>
+    </dgm:style>
+  </dgm:styleLbl>
+  <dgm:styleLbl name="solidBgAcc1">
+    <dgm:scene3d>
+      <a:camera prst="orthographicFront"/>
+      <a:lightRig rig="threePt" dir="t"/>
+    </dgm:scene3d>
+    <dgm:sp3d/>
+    <dgm:txPr/>
+    <dgm:style>
+      <a:lnRef idx="2">
+        <a:scrgbClr r="0" g="0" b="0"/>
+      </a:lnRef>
+      <a:fillRef idx="1">
+        <a:scrgbClr r="0" g="0" b="0"/>
+      </a:fillRef>
+      <a:effectRef idx="0">
+        <a:scrgbClr r="0" g="0" b="0"/>
+      </a:effectRef>
+      <a:fontRef idx="minor"/>
+    </dgm:style>
+  </dgm:styleLbl>
+  <dgm:styleLbl name="fgAccFollowNode1">
+    <dgm:scene3d>
+      <a:camera prst="orthographicFront"/>
+      <a:lightRig rig="threePt" dir="t"/>
+    </dgm:scene3d>
+    <dgm:sp3d/>
+    <dgm:txPr/>
+    <dgm:style>
+      <a:lnRef idx="2">
+        <a:scrgbClr r="0" g="0" b="0"/>
+      </a:lnRef>
+      <a:fillRef idx="1">
+        <a:scrgbClr r="0" g="0" b="0"/>
+      </a:fillRef>
+      <a:effectRef idx="0">
+        <a:scrgbClr r="0" g="0" b="0"/>
+      </a:effectRef>
+      <a:fontRef idx="minor"/>
+    </dgm:style>
+  </dgm:styleLbl>
+  <dgm:styleLbl name="alignAccFollowNode1">
+    <dgm:scene3d>
+      <a:camera prst="orthographicFront"/>
+      <a:lightRig rig="threePt" dir="t"/>
+    </dgm:scene3d>
+    <dgm:sp3d/>
+    <dgm:txPr/>
+    <dgm:style>
+      <a:lnRef idx="2">
+        <a:scrgbClr r="0" g="0" b="0"/>
+      </a:lnRef>
+      <a:fillRef idx="1">
+        <a:scrgbClr r="0" g="0" b="0"/>
+      </a:fillRef>
+      <a:effectRef idx="0">
+        <a:scrgbClr r="0" g="0" b="0"/>
+      </a:effectRef>
+      <a:fontRef idx="minor"/>
+    </dgm:style>
+  </dgm:styleLbl>
+  <dgm:styleLbl name="bgAccFollowNode1">
+    <dgm:scene3d>
+      <a:camera prst="orthographicFront"/>
+      <a:lightRig rig="threePt" dir="t"/>
+    </dgm:scene3d>
+    <dgm:sp3d/>
+    <dgm:txPr/>
+    <dgm:style>
+      <a:lnRef idx="2">
+        <a:scrgbClr r="0" g="0" b="0"/>
+      </a:lnRef>
+      <a:fillRef idx="1">
+        <a:scrgbClr r="0" g="0" b="0"/>
+      </a:fillRef>
+      <a:effectRef idx="0">
+        <a:scrgbClr r="0" g="0" b="0"/>
+      </a:effectRef>
+      <a:fontRef idx="minor"/>
+    </dgm:style>
+  </dgm:styleLbl>
+  <dgm:styleLbl name="fgAcc0">
+    <dgm:scene3d>
+      <a:camera prst="orthographicFront"/>
+      <a:lightRig rig="threePt" dir="t"/>
+    </dgm:scene3d>
+    <dgm:sp3d/>
+    <dgm:txPr/>
+    <dgm:style>
+      <a:lnRef idx="2">
+        <a:scrgbClr r="0" g="0" b="0"/>
+      </a:lnRef>
+      <a:fillRef idx="1">
+        <a:scrgbClr r="0" g="0" b="0"/>
+      </a:fillRef>
+      <a:effectRef idx="0">
+        <a:scrgbClr r="0" g="0" b="0"/>
+      </a:effectRef>
+      <a:fontRef idx="minor"/>
+    </dgm:style>
+  </dgm:styleLbl>
+  <dgm:styleLbl name="fgAcc2">
+    <dgm:scene3d>
+      <a:camera prst="orthographicFront"/>
+      <a:lightRig rig="threePt" dir="t"/>
+    </dgm:scene3d>
+    <dgm:sp3d/>
+    <dgm:txPr/>
+    <dgm:style>
+      <a:lnRef idx="2">
+        <a:scrgbClr r="0" g="0" b="0"/>
+      </a:lnRef>
+      <a:fillRef idx="1">
+        <a:scrgbClr r="0" g="0" b="0"/>
+      </a:fillRef>
+      <a:effectRef idx="0">
+        <a:scrgbClr r="0" g="0" b="0"/>
+      </a:effectRef>
+      <a:fontRef idx="minor"/>
+    </dgm:style>
+  </dgm:styleLbl>
+  <dgm:styleLbl name="fgAcc3">
+    <dgm:scene3d>
+      <a:camera prst="orthographicFront"/>
+      <a:lightRig rig="threePt" dir="t"/>
+    </dgm:scene3d>
+    <dgm:sp3d/>
+    <dgm:txPr/>
+    <dgm:style>
+      <a:lnRef idx="2">
+        <a:scrgbClr r="0" g="0" b="0"/>
+      </a:lnRef>
+      <a:fillRef idx="1">
+        <a:scrgbClr r="0" g="0" b="0"/>
+      </a:fillRef>
+      <a:effectRef idx="0">
+        <a:scrgbClr r="0" g="0" b="0"/>
+      </a:effectRef>
+      <a:fontRef idx="minor"/>
+    </dgm:style>
+  </dgm:styleLbl>
+  <dgm:styleLbl name="fgAcc4">
+    <dgm:scene3d>
+      <a:camera prst="orthographicFront"/>
+      <a:lightRig rig="threePt" dir="t"/>
+    </dgm:scene3d>
+    <dgm:sp3d/>
+    <dgm:txPr/>
+    <dgm:style>
+      <a:lnRef idx="2">
+        <a:scrgbClr r="0" g="0" b="0"/>
+      </a:lnRef>
+      <a:fillRef idx="1">
+        <a:scrgbClr r="0" g="0" b="0"/>
+      </a:fillRef>
+      <a:effectRef idx="0">
+        <a:scrgbClr r="0" g="0" b="0"/>
+      </a:effectRef>
+      <a:fontRef idx="minor"/>
+    </dgm:style>
+  </dgm:styleLbl>
+  <dgm:styleLbl name="bgShp">
+    <dgm:scene3d>
+      <a:camera prst="orthographicFront"/>
+      <a:lightRig rig="threePt" dir="t"/>
+    </dgm:scene3d>
+    <dgm:sp3d/>
+    <dgm:txPr/>
+    <dgm:style>
+      <a:lnRef idx="0">
+        <a:scrgbClr r="0" g="0" b="0"/>
+      </a:lnRef>
+      <a:fillRef idx="1">
+        <a:scrgbClr r="0" g="0" b="0"/>
+      </a:fillRef>
+      <a:effectRef idx="0">
+        <a:scrgbClr r="0" g="0" b="0"/>
+      </a:effectRef>
+      <a:fontRef idx="minor"/>
+    </dgm:style>
+  </dgm:styleLbl>
+  <dgm:styleLbl name="dkBgShp">
+    <dgm:scene3d>
+      <a:camera prst="orthographicFront"/>
+      <a:lightRig rig="threePt" dir="t"/>
+    </dgm:scene3d>
+    <dgm:sp3d/>
+    <dgm:txPr/>
+    <dgm:style>
+      <a:lnRef idx="0">
+        <a:scrgbClr r="0" g="0" b="0"/>
+      </a:lnRef>
+      <a:fillRef idx="1">
+        <a:scrgbClr r="0" g="0" b="0"/>
+      </a:fillRef>
+      <a:effectRef idx="0">
+        <a:scrgbClr r="0" g="0" b="0"/>
+      </a:effectRef>
+      <a:fontRef idx="minor"/>
+    </dgm:style>
+  </dgm:styleLbl>
+  <dgm:styleLbl name="trBgShp">
+    <dgm:scene3d>
+      <a:camera prst="orthographicFront"/>
+      <a:lightRig rig="threePt" dir="t"/>
+    </dgm:scene3d>
+    <dgm:sp3d/>
+    <dgm:txPr/>
+    <dgm:style>
+      <a:lnRef idx="0">
+        <a:scrgbClr r="0" g="0" b="0"/>
+      </a:lnRef>
+      <a:fillRef idx="1">
+        <a:scrgbClr r="0" g="0" b="0"/>
+      </a:fillRef>
+      <a:effectRef idx="0">
+        <a:scrgbClr r="0" g="0" b="0"/>
+      </a:effectRef>
+      <a:fontRef idx="minor"/>
+    </dgm:style>
+  </dgm:styleLbl>
+  <dgm:styleLbl name="fgShp">
+    <dgm:scene3d>
+      <a:camera prst="orthographicFront"/>
+      <a:lightRig rig="threePt" dir="t"/>
+    </dgm:scene3d>
+    <dgm:sp3d/>
+    <dgm:txPr/>
+    <dgm:style>
+      <a:lnRef idx="2">
+        <a:scrgbClr r="0" g="0" b="0"/>
+      </a:lnRef>
+      <a:fillRef idx="1">
+        <a:scrgbClr r="0" g="0" b="0"/>
+      </a:fillRef>
+      <a:effectRef idx="0">
+        <a:scrgbClr r="0" g="0" b="0"/>
+      </a:effectRef>
+      <a:fontRef idx="minor"/>
+    </dgm:style>
+  </dgm:styleLbl>
+  <dgm:styleLbl name="revTx">
+    <dgm:scene3d>
+      <a:camera prst="orthographicFront"/>
+      <a:lightRig rig="threePt" dir="t"/>
+    </dgm:scene3d>
+    <dgm:sp3d/>
+    <dgm:txPr/>
+    <dgm:style>
+      <a:lnRef idx="0">
+        <a:scrgbClr r="0" g="0" b="0"/>
+      </a:lnRef>
+      <a:fillRef idx="0">
+        <a:scrgbClr r="0" g="0" b="0"/>
+      </a:fillRef>
+      <a:effectRef idx="0">
+        <a:scrgbClr r="0" g="0" b="0"/>
+      </a:effectRef>
+      <a:fontRef idx="minor"/>
+    </dgm:style>
+  </dgm:styleLbl>
+</dgm:styleDef>
+</file>
+
+<file path=ppt/diagrams/quickStyle4.xml><?xml version="1.0" encoding="utf-8"?>
 <dgm:styleDef xmlns:dgm="http://schemas.openxmlformats.org/drawingml/2006/diagram" xmlns:a="http://schemas.openxmlformats.org/drawingml/2006/main" uniqueId="urn:microsoft.com/office/officeart/2005/8/quickstyle/simple1">
   <dgm:title val=""/>
   <dgm:desc val=""/>
@@ -7098,7 +9070,7 @@
           <a:p>
             <a:fld id="{5F335649-9845-4F58-9B82-309C310A520C}" type="datetimeFigureOut">
               <a:rPr lang="en-US" smtClean="0"/>
-              <a:t>8/23/2020</a:t>
+              <a:t>8/24/2020</a:t>
             </a:fld>
             <a:endParaRPr lang="en-US"/>
           </a:p>
@@ -7874,7 +9846,7 @@
             <a:fld id="{B61BEF0D-F0BB-DE4B-95CE-6DB70DBA9567}" type="datetimeFigureOut">
               <a:rPr lang="en-US" dirty="0"/>
               <a:pPr/>
-              <a:t>8/23/2020</a:t>
+              <a:t>8/24/2020</a:t>
             </a:fld>
             <a:endParaRPr lang="en-US" dirty="0"/>
           </a:p>
@@ -8307,7 +10279,7 @@
             <a:fld id="{B61BEF0D-F0BB-DE4B-95CE-6DB70DBA9567}" type="datetimeFigureOut">
               <a:rPr lang="en-US" dirty="0"/>
               <a:pPr/>
-              <a:t>8/23/2020</a:t>
+              <a:t>8/24/2020</a:t>
             </a:fld>
             <a:endParaRPr lang="en-US" dirty="0"/>
           </a:p>
@@ -8554,7 +10526,7 @@
             <a:fld id="{B61BEF0D-F0BB-DE4B-95CE-6DB70DBA9567}" type="datetimeFigureOut">
               <a:rPr lang="en-US" dirty="0"/>
               <a:pPr/>
-              <a:t>8/23/2020</a:t>
+              <a:t>8/24/2020</a:t>
             </a:fld>
             <a:endParaRPr lang="en-US" dirty="0"/>
           </a:p>
@@ -8859,7 +10831,7 @@
             <a:fld id="{B61BEF0D-F0BB-DE4B-95CE-6DB70DBA9567}" type="datetimeFigureOut">
               <a:rPr lang="en-US" dirty="0"/>
               <a:pPr/>
-              <a:t>8/23/2020</a:t>
+              <a:t>8/24/2020</a:t>
             </a:fld>
             <a:endParaRPr lang="en-US" dirty="0"/>
           </a:p>
@@ -9174,7 +11146,7 @@
             <a:fld id="{B61BEF0D-F0BB-DE4B-95CE-6DB70DBA9567}" type="datetimeFigureOut">
               <a:rPr lang="en-US" dirty="0"/>
               <a:pPr/>
-              <a:t>8/23/2020</a:t>
+              <a:t>8/24/2020</a:t>
             </a:fld>
             <a:endParaRPr lang="en-US" dirty="0"/>
           </a:p>
@@ -9473,7 +11445,7 @@
             <a:fld id="{B61BEF0D-F0BB-DE4B-95CE-6DB70DBA9567}" type="datetimeFigureOut">
               <a:rPr lang="en-US" dirty="0"/>
               <a:pPr/>
-              <a:t>8/23/2020</a:t>
+              <a:t>8/24/2020</a:t>
             </a:fld>
             <a:endParaRPr lang="en-US" dirty="0"/>
           </a:p>
@@ -9837,7 +11809,7 @@
             <a:fld id="{B61BEF0D-F0BB-DE4B-95CE-6DB70DBA9567}" type="datetimeFigureOut">
               <a:rPr lang="en-US" dirty="0"/>
               <a:pPr/>
-              <a:t>8/23/2020</a:t>
+              <a:t>8/24/2020</a:t>
             </a:fld>
             <a:endParaRPr lang="en-US" dirty="0"/>
           </a:p>
@@ -10008,7 +11980,7 @@
             <a:fld id="{B61BEF0D-F0BB-DE4B-95CE-6DB70DBA9567}" type="datetimeFigureOut">
               <a:rPr lang="en-US" dirty="0"/>
               <a:pPr/>
-              <a:t>8/23/2020</a:t>
+              <a:t>8/24/2020</a:t>
             </a:fld>
             <a:endParaRPr lang="en-US" dirty="0"/>
           </a:p>
@@ -10185,7 +12157,7 @@
             <a:fld id="{B61BEF0D-F0BB-DE4B-95CE-6DB70DBA9567}" type="datetimeFigureOut">
               <a:rPr lang="en-US" dirty="0"/>
               <a:pPr/>
-              <a:t>8/23/2020</a:t>
+              <a:t>8/24/2020</a:t>
             </a:fld>
             <a:endParaRPr lang="en-US" dirty="0"/>
           </a:p>
@@ -14525,7 +16497,7 @@
             <a:fld id="{B61BEF0D-F0BB-DE4B-95CE-6DB70DBA9567}" type="datetimeFigureOut">
               <a:rPr lang="en-US" dirty="0"/>
               <a:pPr/>
-              <a:t>8/23/2020</a:t>
+              <a:t>8/24/2020</a:t>
             </a:fld>
             <a:endParaRPr lang="en-US" dirty="0"/>
           </a:p>
@@ -14772,7 +16744,7 @@
             <a:fld id="{B61BEF0D-F0BB-DE4B-95CE-6DB70DBA9567}" type="datetimeFigureOut">
               <a:rPr lang="en-US" dirty="0"/>
               <a:pPr/>
-              <a:t>8/23/2020</a:t>
+              <a:t>8/24/2020</a:t>
             </a:fld>
             <a:endParaRPr lang="en-US" dirty="0"/>
           </a:p>
@@ -15005,7 +16977,7 @@
             <a:fld id="{B61BEF0D-F0BB-DE4B-95CE-6DB70DBA9567}" type="datetimeFigureOut">
               <a:rPr lang="en-US" dirty="0"/>
               <a:pPr/>
-              <a:t>8/23/2020</a:t>
+              <a:t>8/24/2020</a:t>
             </a:fld>
             <a:endParaRPr lang="en-US" dirty="0"/>
           </a:p>
@@ -15384,7 +17356,7 @@
             <a:fld id="{B61BEF0D-F0BB-DE4B-95CE-6DB70DBA9567}" type="datetimeFigureOut">
               <a:rPr lang="en-US" dirty="0"/>
               <a:pPr/>
-              <a:t>8/23/2020</a:t>
+              <a:t>8/24/2020</a:t>
             </a:fld>
             <a:endParaRPr lang="en-US" dirty="0"/>
           </a:p>
@@ -15499,7 +17471,7 @@
             <a:fld id="{B61BEF0D-F0BB-DE4B-95CE-6DB70DBA9567}" type="datetimeFigureOut">
               <a:rPr lang="en-US" dirty="0"/>
               <a:pPr/>
-              <a:t>8/23/2020</a:t>
+              <a:t>8/24/2020</a:t>
             </a:fld>
             <a:endParaRPr lang="en-US" dirty="0"/>
           </a:p>
@@ -15591,7 +17563,7 @@
             <a:fld id="{B61BEF0D-F0BB-DE4B-95CE-6DB70DBA9567}" type="datetimeFigureOut">
               <a:rPr lang="en-US" dirty="0"/>
               <a:pPr/>
-              <a:t>8/23/2020</a:t>
+              <a:t>8/24/2020</a:t>
             </a:fld>
             <a:endParaRPr lang="en-US" dirty="0"/>
           </a:p>
@@ -15843,7 +17815,7 @@
             <a:fld id="{B61BEF0D-F0BB-DE4B-95CE-6DB70DBA9567}" type="datetimeFigureOut">
               <a:rPr lang="en-US" dirty="0"/>
               <a:pPr/>
-              <a:t>8/23/2020</a:t>
+              <a:t>8/24/2020</a:t>
             </a:fld>
             <a:endParaRPr lang="en-US" dirty="0"/>
           </a:p>
@@ -16123,7 +18095,7 @@
             <a:fld id="{B61BEF0D-F0BB-DE4B-95CE-6DB70DBA9567}" type="datetimeFigureOut">
               <a:rPr lang="en-US" dirty="0"/>
               <a:pPr/>
-              <a:t>8/23/2020</a:t>
+              <a:t>8/24/2020</a:t>
             </a:fld>
             <a:endParaRPr lang="en-US" dirty="0"/>
           </a:p>
@@ -16526,7 +18498,7 @@
             <a:fld id="{B61BEF0D-F0BB-DE4B-95CE-6DB70DBA9567}" type="datetimeFigureOut">
               <a:rPr lang="en-US" dirty="0"/>
               <a:pPr/>
-              <a:t>8/23/2020</a:t>
+              <a:t>8/24/2020</a:t>
             </a:fld>
             <a:endParaRPr lang="en-US" dirty="0"/>
           </a:p>
@@ -17340,6 +19312,263 @@
                 </a:solidFill>
                 <a:latin typeface="Algerian" panose="04020705040A02060702" pitchFamily="82" charset="0"/>
               </a:rPr>
+              <a:t>Principal component analysis (</a:t>
+            </a:r>
+            <a:r>
+              <a:rPr lang="en-US" u="sng" dirty="0" err="1">
+                <a:solidFill>
+                  <a:schemeClr val="bg1"/>
+                </a:solidFill>
+                <a:latin typeface="Algerian" panose="04020705040A02060702" pitchFamily="82" charset="0"/>
+              </a:rPr>
+              <a:t>pca</a:t>
+            </a:r>
+            <a:r>
+              <a:rPr lang="en-US" u="sng" dirty="0">
+                <a:solidFill>
+                  <a:schemeClr val="bg1"/>
+                </a:solidFill>
+                <a:latin typeface="Algerian" panose="04020705040A02060702" pitchFamily="82" charset="0"/>
+              </a:rPr>
+              <a:t>)</a:t>
+            </a:r>
+            <a:endParaRPr lang="en-US" b="1" u="sng" dirty="0">
+              <a:solidFill>
+                <a:schemeClr val="bg1"/>
+              </a:solidFill>
+              <a:latin typeface="Algerian" panose="04020705040A02060702" pitchFamily="82" charset="0"/>
+            </a:endParaRPr>
+          </a:p>
+        </p:txBody>
+      </p:sp>
+      <p:pic>
+        <p:nvPicPr>
+          <p:cNvPr id="1032" name="Picture 8" descr="Breast Cancer Ribbon PNG Transparent Images | PNG All"/>
+          <p:cNvPicPr>
+            <a:picLocks noChangeAspect="1" noChangeArrowheads="1"/>
+          </p:cNvPicPr>
+          <p:nvPr/>
+        </p:nvPicPr>
+        <p:blipFill>
+          <a:blip r:embed="rId2">
+            <a:extLst>
+              <a:ext uri="{28A0092B-C50C-407E-A947-70E740481C1C}">
+                <a14:useLocalDpi xmlns:a14="http://schemas.microsoft.com/office/drawing/2010/main" val="0"/>
+              </a:ext>
+            </a:extLst>
+          </a:blip>
+          <a:srcRect/>
+          <a:stretch>
+            <a:fillRect/>
+          </a:stretch>
+        </p:blipFill>
+        <p:spPr bwMode="auto">
+          <a:xfrm>
+            <a:off x="10651477" y="5260240"/>
+            <a:ext cx="1671711" cy="1671712"/>
+          </a:xfrm>
+          <a:prstGeom prst="rect">
+            <a:avLst/>
+          </a:prstGeom>
+          <a:noFill/>
+          <a:extLst>
+            <a:ext uri="{909E8E84-426E-40DD-AFC4-6F175D3DCCD1}">
+              <a14:hiddenFill xmlns:a14="http://schemas.microsoft.com/office/drawing/2010/main">
+                <a:solidFill>
+                  <a:srgbClr val="FFFFFF"/>
+                </a:solidFill>
+              </a14:hiddenFill>
+            </a:ext>
+          </a:extLst>
+        </p:spPr>
+      </p:pic>
+      <p:graphicFrame>
+        <p:nvGraphicFramePr>
+          <p:cNvPr id="4" name="Diagram 3">
+            <a:extLst>
+              <a:ext uri="{FF2B5EF4-FFF2-40B4-BE49-F238E27FC236}">
+                <a16:creationId xmlns:a16="http://schemas.microsoft.com/office/drawing/2014/main" id="{8DF9A2FB-697A-4CC0-95E0-B008C91A5B45}"/>
+              </a:ext>
+            </a:extLst>
+          </p:cNvPr>
+          <p:cNvGraphicFramePr/>
+          <p:nvPr/>
+        </p:nvGraphicFramePr>
+        <p:xfrm>
+          <a:off x="1136952" y="585410"/>
+          <a:ext cx="10034210" cy="5190066"/>
+        </p:xfrm>
+        <a:graphic>
+          <a:graphicData uri="http://schemas.openxmlformats.org/drawingml/2006/diagram">
+            <dgm:relIds xmlns:dgm="http://schemas.openxmlformats.org/drawingml/2006/diagram" xmlns:r="http://schemas.openxmlformats.org/officeDocument/2006/relationships" r:dm="rId3" r:lo="rId4" r:qs="rId5" r:cs="rId6"/>
+          </a:graphicData>
+        </a:graphic>
+      </p:graphicFrame>
+      <p:sp>
+        <p:nvSpPr>
+          <p:cNvPr id="6" name="TextBox 5">
+            <a:extLst>
+              <a:ext uri="{FF2B5EF4-FFF2-40B4-BE49-F238E27FC236}">
+                <a16:creationId xmlns:a16="http://schemas.microsoft.com/office/drawing/2014/main" id="{4383E3E9-0716-42C2-8B41-2AA2F6DD995E}"/>
+              </a:ext>
+            </a:extLst>
+          </p:cNvPr>
+          <p:cNvSpPr txBox="1"/>
+          <p:nvPr/>
+        </p:nvSpPr>
+        <p:spPr>
+          <a:xfrm>
+            <a:off x="248801" y="1321774"/>
+            <a:ext cx="10284047" cy="1200329"/>
+          </a:xfrm>
+          <a:prstGeom prst="rect">
+            <a:avLst/>
+          </a:prstGeom>
+          <a:noFill/>
+        </p:spPr>
+        <p:txBody>
+          <a:bodyPr wrap="square" rtlCol="0">
+            <a:spAutoFit/>
+          </a:bodyPr>
+          <a:lstStyle/>
+          <a:p>
+            <a:r>
+              <a:rPr lang="en-US" b="1" dirty="0"/>
+              <a:t>Running PCA to reduce complexity of dataset:</a:t>
+            </a:r>
+          </a:p>
+          <a:p>
+            <a:endParaRPr lang="en-US" b="1" dirty="0"/>
+          </a:p>
+          <a:p>
+            <a:r>
+              <a:rPr lang="en-US" b="1" dirty="0"/>
+              <a:t>Our results confirmed 5 principal components are required to explain more than 90% of</a:t>
+            </a:r>
+          </a:p>
+          <a:p>
+            <a:r>
+              <a:rPr lang="en-US" b="1" dirty="0"/>
+              <a:t> the variance.</a:t>
+            </a:r>
+          </a:p>
+        </p:txBody>
+      </p:sp>
+      <p:pic>
+        <p:nvPicPr>
+          <p:cNvPr id="7" name="Picture 6">
+            <a:extLst>
+              <a:ext uri="{FF2B5EF4-FFF2-40B4-BE49-F238E27FC236}">
+                <a16:creationId xmlns:a16="http://schemas.microsoft.com/office/drawing/2014/main" id="{5AC4DDD9-4171-46F1-9395-FA2476FFD76D}"/>
+              </a:ext>
+            </a:extLst>
+          </p:cNvPr>
+          <p:cNvPicPr>
+            <a:picLocks noChangeAspect="1"/>
+          </p:cNvPicPr>
+          <p:nvPr/>
+        </p:nvPicPr>
+        <p:blipFill>
+          <a:blip r:embed="rId8"/>
+          <a:stretch>
+            <a:fillRect/>
+          </a:stretch>
+        </p:blipFill>
+        <p:spPr>
+          <a:xfrm>
+            <a:off x="248801" y="2567078"/>
+            <a:ext cx="10806247" cy="3786636"/>
+          </a:xfrm>
+          <a:prstGeom prst="rect">
+            <a:avLst/>
+          </a:prstGeom>
+        </p:spPr>
+      </p:pic>
+    </p:spTree>
+    <p:extLst>
+      <p:ext uri="{BB962C8B-B14F-4D97-AF65-F5344CB8AC3E}">
+        <p14:creationId xmlns:p14="http://schemas.microsoft.com/office/powerpoint/2010/main" val="565173155"/>
+      </p:ext>
+    </p:extLst>
+  </p:cSld>
+  <p:clrMapOvr>
+    <a:masterClrMapping/>
+  </p:clrMapOvr>
+  <p:timing>
+    <p:tnLst>
+      <p:par>
+        <p:cTn id="1" dur="indefinite" restart="never" nodeType="tmRoot"/>
+      </p:par>
+    </p:tnLst>
+  </p:timing>
+</p:sld>
+</file>
+
+<file path=ppt/slides/slide11.xml><?xml version="1.0" encoding="utf-8"?>
+<p:sld xmlns:a="http://schemas.openxmlformats.org/drawingml/2006/main" xmlns:r="http://schemas.openxmlformats.org/officeDocument/2006/relationships" xmlns:p="http://schemas.openxmlformats.org/presentationml/2006/main">
+  <p:cSld>
+    <p:bg>
+      <p:bgPr>
+        <a:solidFill>
+          <a:srgbClr val="F585DB">
+            <a:alpha val="65098"/>
+          </a:srgbClr>
+        </a:solidFill>
+        <a:effectLst/>
+      </p:bgPr>
+    </p:bg>
+    <p:spTree>
+      <p:nvGrpSpPr>
+        <p:cNvPr id="1" name=""/>
+        <p:cNvGrpSpPr/>
+        <p:nvPr/>
+      </p:nvGrpSpPr>
+      <p:grpSpPr>
+        <a:xfrm>
+          <a:off x="0" y="0"/>
+          <a:ext cx="0" cy="0"/>
+          <a:chOff x="0" y="0"/>
+          <a:chExt cx="0" cy="0"/>
+        </a:xfrm>
+      </p:grpSpPr>
+      <p:sp>
+        <p:nvSpPr>
+          <p:cNvPr id="2" name="Title 1"/>
+          <p:cNvSpPr>
+            <a:spLocks noGrp="1"/>
+          </p:cNvSpPr>
+          <p:nvPr>
+            <p:ph type="ctrTitle"/>
+          </p:nvPr>
+        </p:nvSpPr>
+        <p:spPr>
+          <a:xfrm>
+            <a:off x="73069" y="73867"/>
+            <a:ext cx="11829137" cy="910429"/>
+          </a:xfrm>
+          <a:noFill/>
+          <a:effectLst>
+            <a:innerShdw blurRad="63500" dist="50800" dir="13500000">
+              <a:prstClr val="black">
+                <a:alpha val="50000"/>
+              </a:prstClr>
+            </a:innerShdw>
+          </a:effectLst>
+        </p:spPr>
+        <p:txBody>
+          <a:bodyPr>
+            <a:noAutofit/>
+          </a:bodyPr>
+          <a:lstStyle/>
+          <a:p>
+            <a:pPr algn="ctr"/>
+            <a:r>
+              <a:rPr lang="en-US" u="sng" dirty="0">
+                <a:solidFill>
+                  <a:schemeClr val="bg1"/>
+                </a:solidFill>
+                <a:latin typeface="Algerian" panose="04020705040A02060702" pitchFamily="82" charset="0"/>
+              </a:rPr>
               <a:t>Recommendations</a:t>
             </a:r>
             <a:endParaRPr lang="en-US" b="1" u="sng" dirty="0">
@@ -17512,7 +19741,7 @@
 </p:sld>
 </file>
 
-<file path=ppt/slides/slide11.xml><?xml version="1.0" encoding="utf-8"?>
+<file path=ppt/slides/slide12.xml><?xml version="1.0" encoding="utf-8"?>
 <p:sld xmlns:a="http://schemas.openxmlformats.org/drawingml/2006/main" xmlns:r="http://schemas.openxmlformats.org/officeDocument/2006/relationships" xmlns:p="http://schemas.openxmlformats.org/presentationml/2006/main">
   <p:cSld>
     <p:bg>
@@ -24703,16 +26932,7 @@
                 </a:solidFill>
                 <a:latin typeface="Arial Black" panose="020B0A04020102020204" pitchFamily="34" charset="0"/>
               </a:rPr>
-              <a:t>Although rare, men get breas</a:t>
-            </a:r>
-            <a:r>
-              <a:rPr lang="en-US" sz="1300" b="1" dirty="0" smtClean="0">
-                <a:solidFill>
-                  <a:schemeClr val="bg1"/>
-                </a:solidFill>
-                <a:latin typeface="Arial Black" panose="020B0A04020102020204" pitchFamily="34" charset="0"/>
-              </a:rPr>
-              <a:t>t cancer too. The lifetime risk for U.S. men is about 1 in 1,000</a:t>
+              <a:t>Although rare, men get breast cancer too. The lifetime risk for U.S. men is about 1 in 1,000</a:t>
             </a:r>
           </a:p>
           <a:p>
@@ -24907,7 +27127,7 @@
                 <a16:creationId xmlns:a16="http://schemas.microsoft.com/office/drawing/2014/main" id="{F806943C-BF32-4BF1-B6A7-69D90A7070DE}"/>
               </a:ext>
               <a:ext uri="{C183D7F6-B498-43B3-948B-1728B52AA6E4}">
-                <adec:decorative xmlns:adec="http://schemas.microsoft.com/office/drawing/2017/decorative" xmlns="" val="1"/>
+                <adec:decorative xmlns="" xmlns:adec="http://schemas.microsoft.com/office/drawing/2017/decorative" val="1"/>
               </a:ext>
             </a:extLst>
           </p:cNvPr>
@@ -25044,7 +27264,7 @@
                 <a16:creationId xmlns:a16="http://schemas.microsoft.com/office/drawing/2014/main" id="{A878C6BF-28C8-4E12-B854-7A830D3E649C}"/>
               </a:ext>
               <a:ext uri="{C183D7F6-B498-43B3-948B-1728B52AA6E4}">
-                <adec:decorative xmlns:adec="http://schemas.microsoft.com/office/drawing/2017/decorative" xmlns="" val="1"/>
+                <adec:decorative xmlns="" xmlns:adec="http://schemas.microsoft.com/office/drawing/2017/decorative" val="1"/>
               </a:ext>
             </a:extLst>
           </p:cNvPr>
@@ -25124,7 +27344,7 @@
           <a:blip r:embed="rId2">
             <a:extLst>
               <a:ext uri="{96DAC541-7B7A-43D3-8B79-37D633B846F1}">
-                <asvg:svgBlip xmlns:asvg="http://schemas.microsoft.com/office/drawing/2016/SVG/main" xmlns="" r:embed="rId3"/>
+                <asvg:svgBlip xmlns="" xmlns:asvg="http://schemas.microsoft.com/office/drawing/2016/SVG/main" r:embed="rId3"/>
               </a:ext>
             </a:extLst>
           </a:blip>
@@ -25190,7 +27410,7 @@
                 <a16:creationId xmlns:a16="http://schemas.microsoft.com/office/drawing/2014/main" id="{D6A7568C-128C-4A8A-81BA-1BED2DDAD31A}"/>
               </a:ext>
               <a:ext uri="{C183D7F6-B498-43B3-948B-1728B52AA6E4}">
-                <adec:decorative xmlns:adec="http://schemas.microsoft.com/office/drawing/2017/decorative" xmlns="" val="1"/>
+                <adec:decorative xmlns="" xmlns:adec="http://schemas.microsoft.com/office/drawing/2017/decorative" val="1"/>
               </a:ext>
             </a:extLst>
           </p:cNvPr>
@@ -25221,7 +27441,7 @@
                   <a16:creationId xmlns:a16="http://schemas.microsoft.com/office/drawing/2014/main" id="{0BED0B87-F053-4FB5-ABC4-24F3C04132C0}"/>
                 </a:ext>
                 <a:ext uri="{C183D7F6-B498-43B3-948B-1728B52AA6E4}">
-                  <adec:decorative xmlns:adec="http://schemas.microsoft.com/office/drawing/2017/decorative" xmlns="" val="1"/>
+                  <adec:decorative xmlns="" xmlns:adec="http://schemas.microsoft.com/office/drawing/2017/decorative" val="1"/>
                 </a:ext>
               </a:extLst>
             </p:cNvPr>
@@ -25271,7 +27491,7 @@
                   <a16:creationId xmlns:a16="http://schemas.microsoft.com/office/drawing/2014/main" id="{2B940DFC-0E04-4FC7-88F7-5D4AF780CC1D}"/>
                 </a:ext>
                 <a:ext uri="{C183D7F6-B498-43B3-948B-1728B52AA6E4}">
-                  <adec:decorative xmlns:adec="http://schemas.microsoft.com/office/drawing/2017/decorative" xmlns="" val="1"/>
+                  <adec:decorative xmlns="" xmlns:adec="http://schemas.microsoft.com/office/drawing/2017/decorative" val="1"/>
                 </a:ext>
               </a:extLst>
             </p:cNvPr>
@@ -25321,7 +27541,7 @@
                   <a16:creationId xmlns:a16="http://schemas.microsoft.com/office/drawing/2014/main" id="{C6C4A8A1-0543-412C-B5E6-803A174A73BF}"/>
                 </a:ext>
                 <a:ext uri="{C183D7F6-B498-43B3-948B-1728B52AA6E4}">
-                  <adec:decorative xmlns:adec="http://schemas.microsoft.com/office/drawing/2017/decorative" xmlns="" val="1"/>
+                  <adec:decorative xmlns="" xmlns:adec="http://schemas.microsoft.com/office/drawing/2017/decorative" val="1"/>
                 </a:ext>
               </a:extLst>
             </p:cNvPr>
@@ -25371,7 +27591,7 @@
                   <a16:creationId xmlns:a16="http://schemas.microsoft.com/office/drawing/2014/main" id="{CC29E161-7520-4B3D-B83D-41D496291566}"/>
                 </a:ext>
                 <a:ext uri="{C183D7F6-B498-43B3-948B-1728B52AA6E4}">
-                  <adec:decorative xmlns:adec="http://schemas.microsoft.com/office/drawing/2017/decorative" xmlns="" val="1"/>
+                  <adec:decorative xmlns="" xmlns:adec="http://schemas.microsoft.com/office/drawing/2017/decorative" val="1"/>
                 </a:ext>
               </a:extLst>
             </p:cNvPr>
@@ -25421,7 +27641,7 @@
                   <a16:creationId xmlns:a16="http://schemas.microsoft.com/office/drawing/2014/main" id="{B24BCAEE-76B1-447C-AFFB-F827F42F5184}"/>
                 </a:ext>
                 <a:ext uri="{C183D7F6-B498-43B3-948B-1728B52AA6E4}">
-                  <adec:decorative xmlns:adec="http://schemas.microsoft.com/office/drawing/2017/decorative" xmlns="" val="1"/>
+                  <adec:decorative xmlns="" xmlns:adec="http://schemas.microsoft.com/office/drawing/2017/decorative" val="1"/>
                 </a:ext>
               </a:extLst>
             </p:cNvPr>
@@ -25649,7 +27869,7 @@
           <a:blip r:embed="rId8">
             <a:extLst>
               <a:ext uri="{96DAC541-7B7A-43D3-8B79-37D633B846F1}">
-                <asvg:svgBlip xmlns:asvg="http://schemas.microsoft.com/office/drawing/2016/SVG/main" xmlns="" r:embed="rId9"/>
+                <asvg:svgBlip xmlns="" xmlns:asvg="http://schemas.microsoft.com/office/drawing/2016/SVG/main" r:embed="rId9"/>
               </a:ext>
             </a:extLst>
           </a:blip>
@@ -25685,7 +27905,7 @@
           <a:blip r:embed="rId10">
             <a:extLst>
               <a:ext uri="{96DAC541-7B7A-43D3-8B79-37D633B846F1}">
-                <asvg:svgBlip xmlns:asvg="http://schemas.microsoft.com/office/drawing/2016/SVG/main" xmlns="" r:embed="rId11"/>
+                <asvg:svgBlip xmlns="" xmlns:asvg="http://schemas.microsoft.com/office/drawing/2016/SVG/main" r:embed="rId11"/>
               </a:ext>
             </a:extLst>
           </a:blip>
@@ -25721,7 +27941,7 @@
           <a:blip r:embed="rId12">
             <a:extLst>
               <a:ext uri="{96DAC541-7B7A-43D3-8B79-37D633B846F1}">
-                <asvg:svgBlip xmlns:asvg="http://schemas.microsoft.com/office/drawing/2016/SVG/main" xmlns="" r:embed="rId13"/>
+                <asvg:svgBlip xmlns="" xmlns:asvg="http://schemas.microsoft.com/office/drawing/2016/SVG/main" r:embed="rId13"/>
               </a:ext>
             </a:extLst>
           </a:blip>
@@ -25794,7 +28014,7 @@
                 <a16:creationId xmlns:a16="http://schemas.microsoft.com/office/drawing/2014/main" id="{CADF2543-1B6F-4FBC-A7AF-53A0430E05AB}"/>
               </a:ext>
               <a:ext uri="{C183D7F6-B498-43B3-948B-1728B52AA6E4}">
-                <adec:decorative xmlns:adec="http://schemas.microsoft.com/office/drawing/2017/decorative" xmlns="" val="1"/>
+                <adec:decorative xmlns="" xmlns:adec="http://schemas.microsoft.com/office/drawing/2017/decorative" val="1"/>
               </a:ext>
             </a:extLst>
           </p:cNvPr>
@@ -25891,7 +28111,7 @@
                 <a16:creationId xmlns:a16="http://schemas.microsoft.com/office/drawing/2014/main" id="{A80A6E81-6B71-43DF-877B-E964A9A4CB68}"/>
               </a:ext>
               <a:ext uri="{C183D7F6-B498-43B3-948B-1728B52AA6E4}">
-                <adec:decorative xmlns:adec="http://schemas.microsoft.com/office/drawing/2017/decorative" xmlns="" val="1"/>
+                <adec:decorative xmlns="" xmlns:adec="http://schemas.microsoft.com/office/drawing/2017/decorative" val="1"/>
               </a:ext>
             </a:extLst>
           </p:cNvPr>
@@ -25922,7 +28142,7 @@
                   <a16:creationId xmlns:a16="http://schemas.microsoft.com/office/drawing/2014/main" id="{4E35C3AD-357F-4004-A3F3-2D4EAF34A63D}"/>
                 </a:ext>
                 <a:ext uri="{C183D7F6-B498-43B3-948B-1728B52AA6E4}">
-                  <adec:decorative xmlns:adec="http://schemas.microsoft.com/office/drawing/2017/decorative" xmlns="" val="1"/>
+                  <adec:decorative xmlns="" xmlns:adec="http://schemas.microsoft.com/office/drawing/2017/decorative" val="1"/>
                 </a:ext>
               </a:extLst>
             </p:cNvPr>
@@ -25975,7 +28195,7 @@
                   <a16:creationId xmlns:a16="http://schemas.microsoft.com/office/drawing/2014/main" id="{337B6032-0A70-4F26-A9A3-B4D60DF11818}"/>
                 </a:ext>
                 <a:ext uri="{C183D7F6-B498-43B3-948B-1728B52AA6E4}">
-                  <adec:decorative xmlns:adec="http://schemas.microsoft.com/office/drawing/2017/decorative" xmlns="" val="1"/>
+                  <adec:decorative xmlns="" xmlns:adec="http://schemas.microsoft.com/office/drawing/2017/decorative" val="1"/>
                 </a:ext>
               </a:extLst>
             </p:cNvPr>
@@ -26028,7 +28248,7 @@
                   <a16:creationId xmlns:a16="http://schemas.microsoft.com/office/drawing/2014/main" id="{DE192CE3-3DD1-448F-93BE-42983DA0D5A9}"/>
                 </a:ext>
                 <a:ext uri="{C183D7F6-B498-43B3-948B-1728B52AA6E4}">
-                  <adec:decorative xmlns:adec="http://schemas.microsoft.com/office/drawing/2017/decorative" xmlns="" val="1"/>
+                  <adec:decorative xmlns="" xmlns:adec="http://schemas.microsoft.com/office/drawing/2017/decorative" val="1"/>
                 </a:ext>
               </a:extLst>
             </p:cNvPr>
@@ -26081,7 +28301,7 @@
                   <a16:creationId xmlns:a16="http://schemas.microsoft.com/office/drawing/2014/main" id="{E6D3DA09-5C72-4562-BEDE-1937DF87E81D}"/>
                 </a:ext>
                 <a:ext uri="{C183D7F6-B498-43B3-948B-1728B52AA6E4}">
-                  <adec:decorative xmlns:adec="http://schemas.microsoft.com/office/drawing/2017/decorative" xmlns="" val="1"/>
+                  <adec:decorative xmlns="" xmlns:adec="http://schemas.microsoft.com/office/drawing/2017/decorative" val="1"/>
                 </a:ext>
               </a:extLst>
             </p:cNvPr>
@@ -26134,7 +28354,7 @@
                   <a16:creationId xmlns:a16="http://schemas.microsoft.com/office/drawing/2014/main" id="{D6ACA7CA-2A20-49D7-9053-E076463D79A3}"/>
                 </a:ext>
                 <a:ext uri="{C183D7F6-B498-43B3-948B-1728B52AA6E4}">
-                  <adec:decorative xmlns:adec="http://schemas.microsoft.com/office/drawing/2017/decorative" xmlns="" val="1"/>
+                  <adec:decorative xmlns="" xmlns:adec="http://schemas.microsoft.com/office/drawing/2017/decorative" val="1"/>
                 </a:ext>
               </a:extLst>
             </p:cNvPr>
@@ -26671,8 +28891,8 @@
         </p:nvSpPr>
         <p:spPr>
           <a:xfrm>
-            <a:off x="73069" y="73867"/>
-            <a:ext cx="11829137" cy="910429"/>
+            <a:off x="953674" y="-291578"/>
+            <a:ext cx="9934024" cy="984381"/>
           </a:xfrm>
           <a:noFill/>
           <a:effectLst>
@@ -26691,31 +28911,13 @@
           <a:p>
             <a:pPr algn="ctr"/>
             <a:r>
-              <a:rPr lang="en-US" u="sng" dirty="0">
+              <a:rPr lang="en-US" u="sng" dirty="0" smtClean="0">
                 <a:solidFill>
                   <a:schemeClr val="bg1"/>
                 </a:solidFill>
                 <a:latin typeface="Algerian" panose="04020705040A02060702" pitchFamily="82" charset="0"/>
               </a:rPr>
-              <a:t>Principal component analysis (</a:t>
-            </a:r>
-            <a:r>
-              <a:rPr lang="en-US" u="sng" dirty="0" err="1">
-                <a:solidFill>
-                  <a:schemeClr val="bg1"/>
-                </a:solidFill>
-                <a:latin typeface="Algerian" panose="04020705040A02060702" pitchFamily="82" charset="0"/>
-              </a:rPr>
-              <a:t>pca</a:t>
-            </a:r>
-            <a:r>
-              <a:rPr lang="en-US" u="sng" dirty="0">
-                <a:solidFill>
-                  <a:schemeClr val="bg1"/>
-                </a:solidFill>
-                <a:latin typeface="Algerian" panose="04020705040A02060702" pitchFamily="82" charset="0"/>
-              </a:rPr>
-              <a:t>)</a:t>
+              <a:t>Bivariate Exploration</a:t>
             </a:r>
             <a:endParaRPr lang="en-US" b="1" u="sng" dirty="0">
               <a:solidFill>
@@ -26777,7 +28979,13 @@
             </a:extLst>
           </p:cNvPr>
           <p:cNvGraphicFramePr/>
-          <p:nvPr/>
+          <p:nvPr>
+            <p:extLst>
+              <p:ext uri="{D42A27DB-BD31-4B8C-83A1-F6EECF244321}">
+                <p14:modId xmlns:p14="http://schemas.microsoft.com/office/powerpoint/2010/main" val="941551596"/>
+              </p:ext>
+            </p:extLst>
+          </p:nvPr>
         </p:nvGraphicFramePr>
         <p:xfrm>
           <a:off x="1136952" y="585410"/>
@@ -26789,65 +28997,9 @@
           </a:graphicData>
         </a:graphic>
       </p:graphicFrame>
-      <p:sp>
-        <p:nvSpPr>
-          <p:cNvPr id="6" name="TextBox 5">
-            <a:extLst>
-              <a:ext uri="{FF2B5EF4-FFF2-40B4-BE49-F238E27FC236}">
-                <a16:creationId xmlns:a16="http://schemas.microsoft.com/office/drawing/2014/main" id="{4383E3E9-0716-42C2-8B41-2AA2F6DD995E}"/>
-              </a:ext>
-            </a:extLst>
-          </p:cNvPr>
-          <p:cNvSpPr txBox="1"/>
-          <p:nvPr/>
-        </p:nvSpPr>
-        <p:spPr>
-          <a:xfrm>
-            <a:off x="248801" y="1321774"/>
-            <a:ext cx="10284047" cy="1200329"/>
-          </a:xfrm>
-          <a:prstGeom prst="rect">
-            <a:avLst/>
-          </a:prstGeom>
-          <a:noFill/>
-        </p:spPr>
-        <p:txBody>
-          <a:bodyPr wrap="square" rtlCol="0">
-            <a:spAutoFit/>
-          </a:bodyPr>
-          <a:lstStyle/>
-          <a:p>
-            <a:r>
-              <a:rPr lang="en-US" b="1" dirty="0"/>
-              <a:t>Running PCA to reduce complexity of dataset:</a:t>
-            </a:r>
-          </a:p>
-          <a:p>
-            <a:endParaRPr lang="en-US" b="1" dirty="0"/>
-          </a:p>
-          <a:p>
-            <a:r>
-              <a:rPr lang="en-US" b="1" dirty="0"/>
-              <a:t>Our results confirmed 5 principal components are required to explain more than 90% of</a:t>
-            </a:r>
-          </a:p>
-          <a:p>
-            <a:r>
-              <a:rPr lang="en-US" b="1" dirty="0"/>
-              <a:t> the variance.</a:t>
-            </a:r>
-          </a:p>
-        </p:txBody>
-      </p:sp>
       <p:pic>
         <p:nvPicPr>
-          <p:cNvPr id="7" name="Picture 6">
-            <a:extLst>
-              <a:ext uri="{FF2B5EF4-FFF2-40B4-BE49-F238E27FC236}">
-                <a16:creationId xmlns:a16="http://schemas.microsoft.com/office/drawing/2014/main" id="{5AC4DDD9-4171-46F1-9395-FA2476FFD76D}"/>
-              </a:ext>
-            </a:extLst>
-          </p:cNvPr>
+          <p:cNvPr id="3" name="Picture 2"/>
           <p:cNvPicPr>
             <a:picLocks noChangeAspect="1"/>
           </p:cNvPicPr>
@@ -26861,8 +29013,8 @@
         </p:blipFill>
         <p:spPr>
           <a:xfrm>
-            <a:off x="248801" y="2567078"/>
-            <a:ext cx="10806247" cy="3786636"/>
+            <a:off x="767837" y="1494187"/>
+            <a:ext cx="5754141" cy="3766053"/>
           </a:xfrm>
           <a:prstGeom prst="rect">
             <a:avLst/>
@@ -26872,7 +29024,7 @@
     </p:spTree>
     <p:extLst>
       <p:ext uri="{BB962C8B-B14F-4D97-AF65-F5344CB8AC3E}">
-        <p14:creationId xmlns:p14="http://schemas.microsoft.com/office/powerpoint/2010/main" val="565173155"/>
+        <p14:creationId xmlns:p14="http://schemas.microsoft.com/office/powerpoint/2010/main" val="1125954502"/>
       </p:ext>
     </p:extLst>
   </p:cSld>
